--- a/Curso/Curso - cSharp.pptx
+++ b/Curso/Curso - cSharp.pptx
@@ -10,10 +10,11 @@
     <p:sldId id="258" r:id="rId4"/>
     <p:sldId id="259" r:id="rId5"/>
     <p:sldId id="260" r:id="rId6"/>
-    <p:sldId id="261" r:id="rId7"/>
-    <p:sldId id="262" r:id="rId8"/>
-    <p:sldId id="263" r:id="rId9"/>
-    <p:sldId id="264" r:id="rId10"/>
+    <p:sldId id="265" r:id="rId7"/>
+    <p:sldId id="261" r:id="rId8"/>
+    <p:sldId id="262" r:id="rId9"/>
+    <p:sldId id="263" r:id="rId10"/>
+    <p:sldId id="264" r:id="rId11"/>
   </p:sldIdLst>
   <p:sldSz cx="12192000" cy="6858000"/>
   <p:notesSz cx="6858000" cy="9144000"/>
@@ -112,6 +113,11 @@
       </a:defRPr>
     </a:lvl9pPr>
   </p:defaultTextStyle>
+  <p:extLst>
+    <p:ext uri="{EFAFB233-063F-42B5-8137-9DF3F51BA10A}">
+      <p15:sldGuideLst xmlns:p15="http://schemas.microsoft.com/office/powerpoint/2012/main"/>
+    </p:ext>
+  </p:extLst>
 </p:presentation>
 </file>
 
@@ -837,7 +843,7 @@
           <a:p>
             <a:fld id="{532F2A02-4C69-4939-83D2-84847015951C}" type="datetimeFigureOut">
               <a:rPr lang="pt-BR" smtClean="0"/>
-              <a:t>16/10/2022</a:t>
+              <a:t>23/10/2022</a:t>
             </a:fld>
             <a:endParaRPr lang="pt-BR"/>
           </a:p>
@@ -1088,7 +1094,7 @@
           <a:p>
             <a:fld id="{532F2A02-4C69-4939-83D2-84847015951C}" type="datetimeFigureOut">
               <a:rPr lang="pt-BR" smtClean="0"/>
-              <a:t>16/10/2022</a:t>
+              <a:t>23/10/2022</a:t>
             </a:fld>
             <a:endParaRPr lang="pt-BR"/>
           </a:p>
@@ -1402,7 +1408,7 @@
           <a:p>
             <a:fld id="{532F2A02-4C69-4939-83D2-84847015951C}" type="datetimeFigureOut">
               <a:rPr lang="pt-BR" smtClean="0"/>
-              <a:t>16/10/2022</a:t>
+              <a:t>23/10/2022</a:t>
             </a:fld>
             <a:endParaRPr lang="pt-BR"/>
           </a:p>
@@ -1743,7 +1749,7 @@
           <a:p>
             <a:fld id="{532F2A02-4C69-4939-83D2-84847015951C}" type="datetimeFigureOut">
               <a:rPr lang="pt-BR" smtClean="0"/>
-              <a:t>16/10/2022</a:t>
+              <a:t>23/10/2022</a:t>
             </a:fld>
             <a:endParaRPr lang="pt-BR"/>
           </a:p>
@@ -2057,7 +2063,7 @@
           <a:p>
             <a:fld id="{532F2A02-4C69-4939-83D2-84847015951C}" type="datetimeFigureOut">
               <a:rPr lang="pt-BR" smtClean="0"/>
-              <a:t>16/10/2022</a:t>
+              <a:t>23/10/2022</a:t>
             </a:fld>
             <a:endParaRPr lang="pt-BR"/>
           </a:p>
@@ -2450,7 +2456,7 @@
           <a:p>
             <a:fld id="{532F2A02-4C69-4939-83D2-84847015951C}" type="datetimeFigureOut">
               <a:rPr lang="pt-BR" smtClean="0"/>
-              <a:t>16/10/2022</a:t>
+              <a:t>23/10/2022</a:t>
             </a:fld>
             <a:endParaRPr lang="pt-BR"/>
           </a:p>
@@ -2620,7 +2626,7 @@
           <a:p>
             <a:fld id="{532F2A02-4C69-4939-83D2-84847015951C}" type="datetimeFigureOut">
               <a:rPr lang="pt-BR" smtClean="0"/>
-              <a:t>16/10/2022</a:t>
+              <a:t>23/10/2022</a:t>
             </a:fld>
             <a:endParaRPr lang="pt-BR"/>
           </a:p>
@@ -2800,7 +2806,7 @@
           <a:p>
             <a:fld id="{532F2A02-4C69-4939-83D2-84847015951C}" type="datetimeFigureOut">
               <a:rPr lang="pt-BR" smtClean="0"/>
-              <a:t>16/10/2022</a:t>
+              <a:t>23/10/2022</a:t>
             </a:fld>
             <a:endParaRPr lang="pt-BR"/>
           </a:p>
@@ -2976,7 +2982,7 @@
           <a:p>
             <a:fld id="{532F2A02-4C69-4939-83D2-84847015951C}" type="datetimeFigureOut">
               <a:rPr lang="pt-BR" smtClean="0"/>
-              <a:t>16/10/2022</a:t>
+              <a:t>23/10/2022</a:t>
             </a:fld>
             <a:endParaRPr lang="pt-BR"/>
           </a:p>
@@ -3223,7 +3229,7 @@
           <a:p>
             <a:fld id="{532F2A02-4C69-4939-83D2-84847015951C}" type="datetimeFigureOut">
               <a:rPr lang="pt-BR" smtClean="0"/>
-              <a:t>16/10/2022</a:t>
+              <a:t>23/10/2022</a:t>
             </a:fld>
             <a:endParaRPr lang="pt-BR"/>
           </a:p>
@@ -3455,7 +3461,7 @@
           <a:p>
             <a:fld id="{532F2A02-4C69-4939-83D2-84847015951C}" type="datetimeFigureOut">
               <a:rPr lang="pt-BR" smtClean="0"/>
-              <a:t>16/10/2022</a:t>
+              <a:t>23/10/2022</a:t>
             </a:fld>
             <a:endParaRPr lang="pt-BR"/>
           </a:p>
@@ -3829,7 +3835,7 @@
           <a:p>
             <a:fld id="{532F2A02-4C69-4939-83D2-84847015951C}" type="datetimeFigureOut">
               <a:rPr lang="pt-BR" smtClean="0"/>
-              <a:t>16/10/2022</a:t>
+              <a:t>23/10/2022</a:t>
             </a:fld>
             <a:endParaRPr lang="pt-BR"/>
           </a:p>
@@ -3952,7 +3958,7 @@
           <a:p>
             <a:fld id="{532F2A02-4C69-4939-83D2-84847015951C}" type="datetimeFigureOut">
               <a:rPr lang="pt-BR" smtClean="0"/>
-              <a:t>16/10/2022</a:t>
+              <a:t>23/10/2022</a:t>
             </a:fld>
             <a:endParaRPr lang="pt-BR"/>
           </a:p>
@@ -4047,7 +4053,7 @@
           <a:p>
             <a:fld id="{532F2A02-4C69-4939-83D2-84847015951C}" type="datetimeFigureOut">
               <a:rPr lang="pt-BR" smtClean="0"/>
-              <a:t>16/10/2022</a:t>
+              <a:t>23/10/2022</a:t>
             </a:fld>
             <a:endParaRPr lang="pt-BR"/>
           </a:p>
@@ -4302,7 +4308,7 @@
           <a:p>
             <a:fld id="{532F2A02-4C69-4939-83D2-84847015951C}" type="datetimeFigureOut">
               <a:rPr lang="pt-BR" smtClean="0"/>
-              <a:t>16/10/2022</a:t>
+              <a:t>23/10/2022</a:t>
             </a:fld>
             <a:endParaRPr lang="pt-BR"/>
           </a:p>
@@ -4565,7 +4571,7 @@
           <a:p>
             <a:fld id="{532F2A02-4C69-4939-83D2-84847015951C}" type="datetimeFigureOut">
               <a:rPr lang="pt-BR" smtClean="0"/>
-              <a:t>16/10/2022</a:t>
+              <a:t>23/10/2022</a:t>
             </a:fld>
             <a:endParaRPr lang="pt-BR"/>
           </a:p>
@@ -5308,7 +5314,7 @@
           <a:p>
             <a:fld id="{532F2A02-4C69-4939-83D2-84847015951C}" type="datetimeFigureOut">
               <a:rPr lang="pt-BR" smtClean="0"/>
-              <a:t>16/10/2022</a:t>
+              <a:t>23/10/2022</a:t>
             </a:fld>
             <a:endParaRPr lang="pt-BR"/>
           </a:p>
@@ -5918,6 +5924,90 @@
 </p:sld>
 </file>
 
+<file path=ppt/slides/slide10.xml><?xml version="1.0" encoding="utf-8"?>
+<p:sld xmlns:a="http://schemas.openxmlformats.org/drawingml/2006/main" xmlns:r="http://schemas.openxmlformats.org/officeDocument/2006/relationships" xmlns:p="http://schemas.openxmlformats.org/presentationml/2006/main">
+  <p:cSld>
+    <p:spTree>
+      <p:nvGrpSpPr>
+        <p:cNvPr id="1" name=""/>
+        <p:cNvGrpSpPr/>
+        <p:nvPr/>
+      </p:nvGrpSpPr>
+      <p:grpSpPr>
+        <a:xfrm>
+          <a:off x="0" y="0"/>
+          <a:ext cx="0" cy="0"/>
+          <a:chOff x="0" y="0"/>
+          <a:chExt cx="0" cy="0"/>
+        </a:xfrm>
+      </p:grpSpPr>
+      <p:sp>
+        <p:nvSpPr>
+          <p:cNvPr id="2" name="Título 1">
+            <a:extLst>
+              <a:ext uri="{FF2B5EF4-FFF2-40B4-BE49-F238E27FC236}">
+                <a16:creationId xmlns:a16="http://schemas.microsoft.com/office/drawing/2014/main" id="{CFDA7A5B-4FB6-C6B4-7105-58A2ADED0723}"/>
+              </a:ext>
+            </a:extLst>
+          </p:cNvPr>
+          <p:cNvSpPr>
+            <a:spLocks noGrp="1"/>
+          </p:cNvSpPr>
+          <p:nvPr>
+            <p:ph type="title"/>
+          </p:nvPr>
+        </p:nvSpPr>
+        <p:spPr/>
+        <p:txBody>
+          <a:bodyPr/>
+          <a:lstStyle/>
+          <a:p>
+            <a:r>
+              <a:rPr lang="pt-BR" dirty="0"/>
+              <a:t>RPA</a:t>
+            </a:r>
+          </a:p>
+        </p:txBody>
+      </p:sp>
+      <p:sp>
+        <p:nvSpPr>
+          <p:cNvPr id="3" name="Espaço Reservado para Conteúdo 2">
+            <a:extLst>
+              <a:ext uri="{FF2B5EF4-FFF2-40B4-BE49-F238E27FC236}">
+                <a16:creationId xmlns:a16="http://schemas.microsoft.com/office/drawing/2014/main" id="{114CAA83-9090-A05E-D38D-8421D044A489}"/>
+              </a:ext>
+            </a:extLst>
+          </p:cNvPr>
+          <p:cNvSpPr>
+            <a:spLocks noGrp="1"/>
+          </p:cNvSpPr>
+          <p:nvPr>
+            <p:ph idx="1"/>
+          </p:nvPr>
+        </p:nvSpPr>
+        <p:spPr/>
+        <p:txBody>
+          <a:bodyPr/>
+          <a:lstStyle/>
+          <a:p>
+            <a:pPr algn="l"/>
+            <a:endParaRPr lang="pt-BR" dirty="0"/>
+          </a:p>
+        </p:txBody>
+      </p:sp>
+    </p:spTree>
+    <p:extLst>
+      <p:ext uri="{BB962C8B-B14F-4D97-AF65-F5344CB8AC3E}">
+        <p14:creationId xmlns:p14="http://schemas.microsoft.com/office/powerpoint/2010/main" val="2358241928"/>
+      </p:ext>
+    </p:extLst>
+  </p:cSld>
+  <p:clrMapOvr>
+    <a:masterClrMapping/>
+  </p:clrMapOvr>
+</p:sld>
+</file>
+
 <file path=ppt/slides/slide2.xml><?xml version="1.0" encoding="utf-8"?>
 <p:sld xmlns:a="http://schemas.openxmlformats.org/drawingml/2006/main" xmlns:r="http://schemas.openxmlformats.org/officeDocument/2006/relationships" xmlns:p="http://schemas.openxmlformats.org/presentationml/2006/main">
   <p:cSld>
@@ -5992,13 +6082,8 @@
           <a:p>
             <a:r>
               <a:rPr lang="pt-BR" dirty="0"/>
-              <a:t>Classe -&gt; Objetos -&gt; </a:t>
-            </a:r>
-            <a:r>
-              <a:rPr lang="pt-BR" dirty="0" err="1"/>
-              <a:t>Metodos</a:t>
-            </a:r>
-            <a:endParaRPr lang="pt-BR" dirty="0"/>
+              <a:t>Classe -&gt; Objetos -&gt; Métodos</a:t>
+            </a:r>
           </a:p>
           <a:p>
             <a:r>
@@ -6512,21 +6597,547 @@
           <a:lstStyle/>
           <a:p>
             <a:r>
+              <a:rPr lang="pt-BR" dirty="0" err="1"/>
+              <a:t>Metodo</a:t>
+            </a:r>
+            <a:r>
               <a:rPr lang="pt-BR" dirty="0"/>
-              <a:t>Banco de Dados</a:t>
-            </a:r>
-          </a:p>
-        </p:txBody>
-      </p:sp>
-      <p:sp>
-        <p:nvSpPr>
-          <p:cNvPr id="3" name="Espaço Reservado para Conteúdo 2">
+              <a:t> </a:t>
+            </a:r>
+            <a:r>
+              <a:rPr lang="pt-BR" dirty="0" err="1"/>
+              <a:t>Estatico</a:t>
+            </a:r>
+            <a:r>
+              <a:rPr lang="pt-BR" dirty="0"/>
+              <a:t> e Não </a:t>
+            </a:r>
+            <a:r>
+              <a:rPr lang="pt-BR" dirty="0" err="1"/>
+              <a:t>Estatico</a:t>
+            </a:r>
+            <a:endParaRPr lang="pt-BR" dirty="0"/>
+          </a:p>
+        </p:txBody>
+      </p:sp>
+      <p:graphicFrame>
+        <p:nvGraphicFramePr>
+          <p:cNvPr id="4" name="Tabela 3">
             <a:extLst>
               <a:ext uri="{FF2B5EF4-FFF2-40B4-BE49-F238E27FC236}">
-                <a16:creationId xmlns:a16="http://schemas.microsoft.com/office/drawing/2014/main" id="{114CAA83-9090-A05E-D38D-8421D044A489}"/>
+                <a16:creationId xmlns:a16="http://schemas.microsoft.com/office/drawing/2014/main" id="{B3496E29-4EE0-96F9-76FD-9B8888141590}"/>
               </a:ext>
             </a:extLst>
           </p:cNvPr>
+          <p:cNvGraphicFramePr>
+            <a:graphicFrameLocks noGrp="1"/>
+          </p:cNvGraphicFramePr>
+          <p:nvPr>
+            <p:extLst>
+              <p:ext uri="{D42A27DB-BD31-4B8C-83A1-F6EECF244321}">
+                <p14:modId xmlns:p14="http://schemas.microsoft.com/office/powerpoint/2010/main" val="2590459280"/>
+              </p:ext>
+            </p:extLst>
+          </p:nvPr>
+        </p:nvGraphicFramePr>
+        <p:xfrm>
+          <a:off x="246034" y="1494168"/>
+          <a:ext cx="9459268" cy="4754232"/>
+        </p:xfrm>
+        <a:graphic>
+          <a:graphicData uri="http://schemas.openxmlformats.org/drawingml/2006/table">
+            <a:tbl>
+              <a:tblPr>
+                <a:tableStyleId>{5DA37D80-6434-44D0-A028-1B22A696006F}</a:tableStyleId>
+              </a:tblPr>
+              <a:tblGrid>
+                <a:gridCol w="1274016">
+                  <a:extLst>
+                    <a:ext uri="{9D8B030D-6E8A-4147-A177-3AD203B41FA5}">
+                      <a16:colId xmlns:a16="http://schemas.microsoft.com/office/drawing/2014/main" val="4059806812"/>
+                    </a:ext>
+                  </a:extLst>
+                </a:gridCol>
+                <a:gridCol w="3777145">
+                  <a:extLst>
+                    <a:ext uri="{9D8B030D-6E8A-4147-A177-3AD203B41FA5}">
+                      <a16:colId xmlns:a16="http://schemas.microsoft.com/office/drawing/2014/main" val="3058337238"/>
+                    </a:ext>
+                  </a:extLst>
+                </a:gridCol>
+                <a:gridCol w="4408107">
+                  <a:extLst>
+                    <a:ext uri="{9D8B030D-6E8A-4147-A177-3AD203B41FA5}">
+                      <a16:colId xmlns:a16="http://schemas.microsoft.com/office/drawing/2014/main" val="2944351964"/>
+                    </a:ext>
+                  </a:extLst>
+                </a:gridCol>
+              </a:tblGrid>
+              <a:tr h="175874">
+                <a:tc>
+                  <a:txBody>
+                    <a:bodyPr/>
+                    <a:lstStyle/>
+                    <a:p>
+                      <a:pPr algn="ctr"/>
+                      <a:r>
+                        <a:rPr lang="pt-BR" sz="1800" b="1" cap="all" dirty="0">
+                          <a:effectLst/>
+                          <a:latin typeface="Arial" panose="020B0604020202020204" pitchFamily="34" charset="0"/>
+                          <a:cs typeface="Arial" panose="020B0604020202020204" pitchFamily="34" charset="0"/>
+                        </a:rPr>
+                        <a:t>PONTOS</a:t>
+                      </a:r>
+                      <a:endParaRPr lang="pt-BR" sz="1800" b="0" cap="all" dirty="0">
+                        <a:effectLst/>
+                        <a:latin typeface="Arial" panose="020B0604020202020204" pitchFamily="34" charset="0"/>
+                        <a:cs typeface="Arial" panose="020B0604020202020204" pitchFamily="34" charset="0"/>
+                      </a:endParaRPr>
+                    </a:p>
+                  </a:txBody>
+                  <a:tcPr marL="22698" marR="22698" marT="11349" marB="11349" anchor="ctr">
+                    <a:solidFill>
+                      <a:schemeClr val="accent2"/>
+                    </a:solidFill>
+                  </a:tcPr>
+                </a:tc>
+                <a:tc>
+                  <a:txBody>
+                    <a:bodyPr/>
+                    <a:lstStyle/>
+                    <a:p>
+                      <a:pPr algn="ctr"/>
+                      <a:r>
+                        <a:rPr lang="pt-BR" sz="1800" b="1" cap="all" dirty="0">
+                          <a:effectLst/>
+                          <a:latin typeface="Arial" panose="020B0604020202020204" pitchFamily="34" charset="0"/>
+                          <a:cs typeface="Arial" panose="020B0604020202020204" pitchFamily="34" charset="0"/>
+                        </a:rPr>
+                        <a:t>MÉTODO ESTÁTICO</a:t>
+                      </a:r>
+                      <a:endParaRPr lang="pt-BR" sz="1800" b="0" cap="all" dirty="0">
+                        <a:effectLst/>
+                        <a:latin typeface="Arial" panose="020B0604020202020204" pitchFamily="34" charset="0"/>
+                        <a:cs typeface="Arial" panose="020B0604020202020204" pitchFamily="34" charset="0"/>
+                      </a:endParaRPr>
+                    </a:p>
+                  </a:txBody>
+                  <a:tcPr marL="22698" marR="22698" marT="11349" marB="11349" anchor="ctr">
+                    <a:solidFill>
+                      <a:schemeClr val="accent2"/>
+                    </a:solidFill>
+                  </a:tcPr>
+                </a:tc>
+                <a:tc>
+                  <a:txBody>
+                    <a:bodyPr/>
+                    <a:lstStyle/>
+                    <a:p>
+                      <a:pPr algn="ctr"/>
+                      <a:r>
+                        <a:rPr lang="pt-BR" sz="1800" b="1" cap="all" dirty="0">
+                          <a:effectLst/>
+                          <a:latin typeface="Arial" panose="020B0604020202020204" pitchFamily="34" charset="0"/>
+                          <a:cs typeface="Arial" panose="020B0604020202020204" pitchFamily="34" charset="0"/>
+                        </a:rPr>
+                        <a:t>MÉTODO NÃO ESTÁTICO</a:t>
+                      </a:r>
+                      <a:endParaRPr lang="pt-BR" sz="1800" b="0" cap="all" dirty="0">
+                        <a:effectLst/>
+                        <a:latin typeface="Arial" panose="020B0604020202020204" pitchFamily="34" charset="0"/>
+                        <a:cs typeface="Arial" panose="020B0604020202020204" pitchFamily="34" charset="0"/>
+                      </a:endParaRPr>
+                    </a:p>
+                  </a:txBody>
+                  <a:tcPr marL="22698" marR="22698" marT="11349" marB="11349" anchor="ctr">
+                    <a:solidFill>
+                      <a:schemeClr val="accent2"/>
+                    </a:solidFill>
+                  </a:tcPr>
+                </a:tc>
+                <a:extLst>
+                  <a:ext uri="{0D108BD9-81ED-4DB2-BD59-A6C34878D82A}">
+                    <a16:rowId xmlns:a16="http://schemas.microsoft.com/office/drawing/2014/main" val="971142132"/>
+                  </a:ext>
+                </a:extLst>
+              </a:tr>
+              <a:tr h="1155744">
+                <a:tc>
+                  <a:txBody>
+                    <a:bodyPr/>
+                    <a:lstStyle/>
+                    <a:p>
+                      <a:pPr algn="l"/>
+                      <a:r>
+                        <a:rPr lang="pt-BR" sz="1600" b="1" u="sng" dirty="0">
+                          <a:effectLst/>
+                        </a:rPr>
+                        <a:t>Definição</a:t>
+                      </a:r>
+                      <a:endParaRPr lang="pt-BR" sz="1600" b="0" dirty="0">
+                        <a:effectLst/>
+                        <a:latin typeface="Arial" panose="020B0604020202020204" pitchFamily="34" charset="0"/>
+                        <a:cs typeface="Arial" panose="020B0604020202020204" pitchFamily="34" charset="0"/>
+                      </a:endParaRPr>
+                    </a:p>
+                  </a:txBody>
+                  <a:tcPr marL="22698" marR="22698" marT="11349" marB="11349" anchor="ctr"/>
+                </a:tc>
+                <a:tc>
+                  <a:txBody>
+                    <a:bodyPr/>
+                    <a:lstStyle/>
+                    <a:p>
+                      <a:pPr algn="l"/>
+                      <a:r>
+                        <a:rPr lang="pt-BR" sz="1600" b="0" dirty="0">
+                          <a:effectLst/>
+                        </a:rPr>
+                        <a:t>Um </a:t>
+                      </a:r>
+                      <a:r>
+                        <a:rPr lang="pt-BR" sz="1600" b="1" dirty="0">
+                          <a:effectLst/>
+                        </a:rPr>
+                        <a:t>método estático</a:t>
+                      </a:r>
+                      <a:r>
+                        <a:rPr lang="pt-BR" sz="1600" b="0" dirty="0">
+                          <a:effectLst/>
+                        </a:rPr>
+                        <a:t> é um método que pertence a uma classe, mas não pertence a uma instância dessa classe e esse método pode ser chamado sem a instância ou objeto dessa classe.</a:t>
+                      </a:r>
+                      <a:endParaRPr lang="pt-BR" sz="1600" b="0" dirty="0">
+                        <a:effectLst/>
+                        <a:latin typeface="Arial" panose="020B0604020202020204" pitchFamily="34" charset="0"/>
+                        <a:cs typeface="Arial" panose="020B0604020202020204" pitchFamily="34" charset="0"/>
+                      </a:endParaRPr>
+                    </a:p>
+                  </a:txBody>
+                  <a:tcPr marL="22698" marR="22698" marT="11349" marB="11349" anchor="ctr"/>
+                </a:tc>
+                <a:tc>
+                  <a:txBody>
+                    <a:bodyPr/>
+                    <a:lstStyle/>
+                    <a:p>
+                      <a:pPr algn="l"/>
+                      <a:r>
+                        <a:rPr lang="pt-BR" sz="1600" b="0" dirty="0">
+                          <a:effectLst/>
+                        </a:rPr>
+                        <a:t>Todos os métodos em são padronizados para método não </a:t>
+                      </a:r>
+                      <a:r>
+                        <a:rPr lang="pt-BR" sz="1600" b="1" dirty="0">
+                          <a:effectLst/>
+                        </a:rPr>
+                        <a:t>estático</a:t>
+                      </a:r>
+                      <a:r>
+                        <a:rPr lang="pt-BR" sz="1600" b="0" dirty="0">
+                          <a:effectLst/>
+                        </a:rPr>
+                        <a:t> sem palavra-chave </a:t>
+                      </a:r>
+                      <a:r>
+                        <a:rPr lang="pt-BR" sz="1600" b="1" dirty="0">
+                          <a:effectLst/>
+                        </a:rPr>
+                        <a:t>estática</a:t>
+                      </a:r>
+                      <a:r>
+                        <a:rPr lang="pt-BR" sz="1600" b="0" dirty="0">
+                          <a:effectLst/>
+                        </a:rPr>
+                        <a:t> precedendo-o. métodos </a:t>
+                      </a:r>
+                      <a:r>
+                        <a:rPr lang="pt-BR" sz="1600" b="1" dirty="0">
+                          <a:effectLst/>
+                        </a:rPr>
+                        <a:t>não estáticos</a:t>
+                      </a:r>
+                      <a:r>
+                        <a:rPr lang="pt-BR" sz="1600" b="0" dirty="0">
+                          <a:effectLst/>
+                        </a:rPr>
+                        <a:t> podem acessar qualquer método </a:t>
+                      </a:r>
+                      <a:r>
+                        <a:rPr lang="pt-BR" sz="1600" b="1" dirty="0">
+                          <a:effectLst/>
+                        </a:rPr>
+                        <a:t>estático</a:t>
+                      </a:r>
+                      <a:r>
+                        <a:rPr lang="pt-BR" sz="1600" b="0" dirty="0">
+                          <a:effectLst/>
+                        </a:rPr>
+                        <a:t> e variável </a:t>
+                      </a:r>
+                      <a:r>
+                        <a:rPr lang="pt-BR" sz="1600" b="1" dirty="0">
+                          <a:effectLst/>
+                        </a:rPr>
+                        <a:t>estática</a:t>
+                      </a:r>
+                      <a:r>
+                        <a:rPr lang="pt-BR" sz="1600" b="0" dirty="0">
+                          <a:effectLst/>
+                        </a:rPr>
+                        <a:t> também, sem usar o objeto da classe.</a:t>
+                      </a:r>
+                      <a:endParaRPr lang="pt-BR" sz="1600" b="0" dirty="0">
+                        <a:effectLst/>
+                        <a:latin typeface="Arial" panose="020B0604020202020204" pitchFamily="34" charset="0"/>
+                        <a:cs typeface="Arial" panose="020B0604020202020204" pitchFamily="34" charset="0"/>
+                      </a:endParaRPr>
+                    </a:p>
+                  </a:txBody>
+                  <a:tcPr marL="22698" marR="22698" marT="11349" marB="11349" anchor="ctr"/>
+                </a:tc>
+                <a:extLst>
+                  <a:ext uri="{0D108BD9-81ED-4DB2-BD59-A6C34878D82A}">
+                    <a16:rowId xmlns:a16="http://schemas.microsoft.com/office/drawing/2014/main" val="1528085191"/>
+                  </a:ext>
+                </a:extLst>
+              </a:tr>
+              <a:tr h="929620">
+                <a:tc>
+                  <a:txBody>
+                    <a:bodyPr/>
+                    <a:lstStyle/>
+                    <a:p>
+                      <a:pPr algn="l"/>
+                      <a:r>
+                        <a:rPr lang="pt-BR" sz="1600" b="1" u="sng" dirty="0">
+                          <a:effectLst/>
+                        </a:rPr>
+                        <a:t>Acessando membros e métodos</a:t>
+                      </a:r>
+                      <a:endParaRPr lang="pt-BR" sz="1600" b="0" dirty="0">
+                        <a:effectLst/>
+                        <a:latin typeface="Arial" panose="020B0604020202020204" pitchFamily="34" charset="0"/>
+                        <a:cs typeface="Arial" panose="020B0604020202020204" pitchFamily="34" charset="0"/>
+                      </a:endParaRPr>
+                    </a:p>
+                  </a:txBody>
+                  <a:tcPr marL="22698" marR="22698" marT="11349" marB="11349" anchor="ctr"/>
+                </a:tc>
+                <a:tc>
+                  <a:txBody>
+                    <a:bodyPr/>
+                    <a:lstStyle/>
+                    <a:p>
+                      <a:pPr algn="l"/>
+                      <a:r>
+                        <a:rPr lang="pt-BR" sz="1600" b="0" dirty="0">
+                          <a:effectLst/>
+                        </a:rPr>
+                        <a:t>No método </a:t>
+                      </a:r>
+                      <a:r>
+                        <a:rPr lang="pt-BR" sz="1600" b="1" dirty="0">
+                          <a:effectLst/>
+                        </a:rPr>
+                        <a:t>estático</a:t>
+                      </a:r>
+                      <a:r>
+                        <a:rPr lang="pt-BR" sz="1600" b="0" dirty="0">
+                          <a:effectLst/>
+                        </a:rPr>
+                        <a:t> , o método só pode acessar membros de dados estáticos e métodos estáticos de outra classe ou mesma classe, mas não pode acessar métodos e variáveis ​​não estáticos.</a:t>
+                      </a:r>
+                      <a:endParaRPr lang="pt-BR" sz="1600" b="0" dirty="0">
+                        <a:effectLst/>
+                        <a:latin typeface="Arial" panose="020B0604020202020204" pitchFamily="34" charset="0"/>
+                        <a:cs typeface="Arial" panose="020B0604020202020204" pitchFamily="34" charset="0"/>
+                      </a:endParaRPr>
+                    </a:p>
+                  </a:txBody>
+                  <a:tcPr marL="22698" marR="22698" marT="11349" marB="11349" anchor="ctr"/>
+                </a:tc>
+                <a:tc>
+                  <a:txBody>
+                    <a:bodyPr/>
+                    <a:lstStyle/>
+                    <a:p>
+                      <a:pPr algn="l"/>
+                      <a:r>
+                        <a:rPr lang="pt-BR" sz="1600" b="0" dirty="0">
+                          <a:effectLst/>
+                        </a:rPr>
+                        <a:t>No método </a:t>
+                      </a:r>
+                      <a:r>
+                        <a:rPr lang="pt-BR" sz="1600" b="1" dirty="0">
+                          <a:effectLst/>
+                        </a:rPr>
+                        <a:t>não estático</a:t>
+                      </a:r>
+                      <a:r>
+                        <a:rPr lang="pt-BR" sz="1600" b="0" dirty="0">
+                          <a:effectLst/>
+                        </a:rPr>
+                        <a:t> , o método pode acessar membros de dados estáticos e métodos estáticos, bem como membros não estáticos e método de outra classe ou mesma classe. </a:t>
+                      </a:r>
+                      <a:br>
+                        <a:rPr lang="pt-BR" sz="1600" b="0" dirty="0">
+                          <a:effectLst/>
+                        </a:rPr>
+                      </a:br>
+                      <a:r>
+                        <a:rPr lang="pt-BR" sz="1600" b="0" dirty="0">
+                          <a:effectLst/>
+                        </a:rPr>
+                        <a:t> </a:t>
+                      </a:r>
+                      <a:endParaRPr lang="pt-BR" sz="1600" b="0" dirty="0">
+                        <a:effectLst/>
+                        <a:latin typeface="Arial" panose="020B0604020202020204" pitchFamily="34" charset="0"/>
+                        <a:cs typeface="Arial" panose="020B0604020202020204" pitchFamily="34" charset="0"/>
+                      </a:endParaRPr>
+                    </a:p>
+                  </a:txBody>
+                  <a:tcPr marL="22698" marR="22698" marT="11349" marB="11349" anchor="ctr"/>
+                </a:tc>
+                <a:extLst>
+                  <a:ext uri="{0D108BD9-81ED-4DB2-BD59-A6C34878D82A}">
+                    <a16:rowId xmlns:a16="http://schemas.microsoft.com/office/drawing/2014/main" val="3440248473"/>
+                  </a:ext>
+                </a:extLst>
+              </a:tr>
+              <a:tr h="1155744">
+                <a:tc>
+                  <a:txBody>
+                    <a:bodyPr/>
+                    <a:lstStyle/>
+                    <a:p>
+                      <a:pPr algn="l"/>
+                      <a:r>
+                        <a:rPr lang="pt-BR" sz="1600" b="1" u="sng" dirty="0">
+                          <a:effectLst/>
+                        </a:rPr>
+                        <a:t>Alocação de memória</a:t>
+                      </a:r>
+                      <a:endParaRPr lang="pt-BR" sz="1600" b="0" dirty="0">
+                        <a:effectLst/>
+                        <a:latin typeface="Arial" panose="020B0604020202020204" pitchFamily="34" charset="0"/>
+                        <a:cs typeface="Arial" panose="020B0604020202020204" pitchFamily="34" charset="0"/>
+                      </a:endParaRPr>
+                    </a:p>
+                  </a:txBody>
+                  <a:tcPr marL="22698" marR="22698" marT="11349" marB="11349" anchor="ctr"/>
+                </a:tc>
+                <a:tc>
+                  <a:txBody>
+                    <a:bodyPr/>
+                    <a:lstStyle/>
+                    <a:p>
+                      <a:pPr algn="l"/>
+                      <a:r>
+                        <a:rPr lang="pt-BR" sz="1600" b="0" dirty="0">
+                          <a:effectLst/>
+                        </a:rPr>
+                        <a:t>No método </a:t>
+                      </a:r>
+                      <a:r>
+                        <a:rPr lang="pt-BR" sz="1600" b="1" dirty="0">
+                          <a:effectLst/>
+                        </a:rPr>
+                        <a:t>estático</a:t>
+                      </a:r>
+                      <a:r>
+                        <a:rPr lang="pt-BR" sz="1600" b="0" dirty="0">
+                          <a:effectLst/>
+                        </a:rPr>
+                        <a:t> , menos memória é usada para execução porque a alocação de memória acontece apenas uma vez, porque a palavra-chave </a:t>
+                      </a:r>
+                      <a:r>
+                        <a:rPr lang="pt-BR" sz="1600" b="0" dirty="0" err="1">
+                          <a:effectLst/>
+                        </a:rPr>
+                        <a:t>static</a:t>
+                      </a:r>
+                      <a:r>
+                        <a:rPr lang="pt-BR" sz="1600" b="0" dirty="0">
+                          <a:effectLst/>
+                        </a:rPr>
+                        <a:t> fixou uma memória particular para aquele método na memória RAM. . </a:t>
+                      </a:r>
+                      <a:br>
+                        <a:rPr lang="pt-BR" sz="1600" b="0" dirty="0">
+                          <a:effectLst/>
+                        </a:rPr>
+                      </a:br>
+                      <a:r>
+                        <a:rPr lang="pt-BR" sz="1600" b="0" dirty="0">
+                          <a:effectLst/>
+                        </a:rPr>
+                        <a:t> </a:t>
+                      </a:r>
+                      <a:endParaRPr lang="pt-BR" sz="1600" b="0" dirty="0">
+                        <a:effectLst/>
+                        <a:latin typeface="Arial" panose="020B0604020202020204" pitchFamily="34" charset="0"/>
+                        <a:cs typeface="Arial" panose="020B0604020202020204" pitchFamily="34" charset="0"/>
+                      </a:endParaRPr>
+                    </a:p>
+                  </a:txBody>
+                  <a:tcPr marL="22698" marR="22698" marT="11349" marB="11349" anchor="ctr"/>
+                </a:tc>
+                <a:tc>
+                  <a:txBody>
+                    <a:bodyPr/>
+                    <a:lstStyle/>
+                    <a:p>
+                      <a:pPr algn="l"/>
+                      <a:r>
+                        <a:rPr lang="pt-BR" sz="1600" b="0" dirty="0">
+                          <a:effectLst/>
+                        </a:rPr>
+                        <a:t>No método </a:t>
+                      </a:r>
+                      <a:r>
+                        <a:rPr lang="pt-BR" sz="1600" b="1" dirty="0">
+                          <a:effectLst/>
+                        </a:rPr>
+                        <a:t>não estático</a:t>
+                      </a:r>
+                      <a:r>
+                        <a:rPr lang="pt-BR" sz="1600" b="0" dirty="0">
+                          <a:effectLst/>
+                        </a:rPr>
+                        <a:t> , muita memória é usada para execução porque aqui a alocação de memória acontece quando o método é invocado e a memória é alocada toda vez que o método é chamado. </a:t>
+                      </a:r>
+                      <a:endParaRPr lang="pt-BR" sz="1600" b="0" dirty="0">
+                        <a:effectLst/>
+                        <a:latin typeface="Arial" panose="020B0604020202020204" pitchFamily="34" charset="0"/>
+                        <a:cs typeface="Arial" panose="020B0604020202020204" pitchFamily="34" charset="0"/>
+                      </a:endParaRPr>
+                    </a:p>
+                  </a:txBody>
+                  <a:tcPr marL="22698" marR="22698" marT="11349" marB="11349" anchor="ctr"/>
+                </a:tc>
+                <a:extLst>
+                  <a:ext uri="{0D108BD9-81ED-4DB2-BD59-A6C34878D82A}">
+                    <a16:rowId xmlns:a16="http://schemas.microsoft.com/office/drawing/2014/main" val="1467710220"/>
+                  </a:ext>
+                </a:extLst>
+              </a:tr>
+            </a:tbl>
+          </a:graphicData>
+        </a:graphic>
+      </p:graphicFrame>
+      <p:sp>
+        <p:nvSpPr>
+          <p:cNvPr id="7" name="Espaço Reservado para Conteúdo 2">
+            <a:extLst>
+              <a:ext uri="{FF2B5EF4-FFF2-40B4-BE49-F238E27FC236}">
+                <a16:creationId xmlns:a16="http://schemas.microsoft.com/office/drawing/2014/main" id="{FDA6BAA6-8508-BEC3-F1F5-C2764341BE07}"/>
+              </a:ext>
+            </a:extLst>
+          </p:cNvPr>
           <p:cNvSpPr>
             <a:spLocks noGrp="1"/>
           </p:cNvSpPr>
@@ -6534,20 +7145,32 @@
             <p:ph idx="1"/>
           </p:nvPr>
         </p:nvSpPr>
-        <p:spPr/>
-        <p:txBody>
-          <a:bodyPr/>
-          <a:lstStyle/>
-          <a:p>
-            <a:pPr algn="l"/>
-            <a:endParaRPr lang="pt-BR" dirty="0"/>
+        <p:spPr>
+          <a:xfrm>
+            <a:off x="6096000" y="6248400"/>
+            <a:ext cx="3195510" cy="609600"/>
+          </a:xfrm>
+        </p:spPr>
+        <p:txBody>
+          <a:bodyPr>
+            <a:normAutofit/>
+          </a:bodyPr>
+          <a:lstStyle/>
+          <a:p>
+            <a:pPr marL="0" indent="0" algn="l">
+              <a:buNone/>
+            </a:pPr>
+            <a:r>
+              <a:rPr lang="pt-BR" dirty="0"/>
+              <a:t>https://acervolima.com/</a:t>
+            </a:r>
           </a:p>
         </p:txBody>
       </p:sp>
     </p:spTree>
     <p:extLst>
       <p:ext uri="{BB962C8B-B14F-4D97-AF65-F5344CB8AC3E}">
-        <p14:creationId xmlns:p14="http://schemas.microsoft.com/office/powerpoint/2010/main" val="1391737349"/>
+        <p14:creationId xmlns:p14="http://schemas.microsoft.com/office/powerpoint/2010/main" val="1897382469"/>
       </p:ext>
     </p:extLst>
   </p:cSld>
@@ -6597,7 +7220,7 @@
           <a:p>
             <a:r>
               <a:rPr lang="pt-BR" dirty="0"/>
-              <a:t>API</a:t>
+              <a:t>Banco de Dados</a:t>
             </a:r>
           </a:p>
         </p:txBody>
@@ -6624,14 +7247,66 @@
           <a:lstStyle/>
           <a:p>
             <a:pPr algn="l"/>
-            <a:endParaRPr lang="pt-BR" dirty="0"/>
+            <a:r>
+              <a:rPr lang="pt-BR" b="0" i="0" dirty="0">
+                <a:solidFill>
+                  <a:srgbClr val="161513"/>
+                </a:solidFill>
+                <a:effectLst/>
+                <a:latin typeface="OracleSansVF"/>
+              </a:rPr>
+              <a:t>Um banco de dados é uma coleção organizada de informações - ou dados - estruturadas, normalmente armazenadas eletronicamente em um sistema de computador. Um banco de dados é geralmente controlado por um </a:t>
+            </a:r>
+            <a:r>
+              <a:rPr lang="pt-BR" b="0" i="0" u="none" strike="noStrike" dirty="0">
+                <a:solidFill>
+                  <a:srgbClr val="006B8F"/>
+                </a:solidFill>
+                <a:effectLst/>
+                <a:latin typeface="OracleSansVF"/>
+                <a:hlinkClick r:id="rId2"/>
+              </a:rPr>
+              <a:t>sistema de gerenciamento de banco de dados (DBMS)</a:t>
+            </a:r>
+            <a:r>
+              <a:rPr lang="pt-BR" b="0" i="0" dirty="0">
+                <a:solidFill>
+                  <a:srgbClr val="161513"/>
+                </a:solidFill>
+                <a:effectLst/>
+                <a:latin typeface="OracleSansVF"/>
+              </a:rPr>
+              <a:t>. Juntos, os dados e o DBMS, juntamente com os aplicativos associados a eles, são chamados de sistema de banco de dados, geralmente abreviados para apenas banco de dados.</a:t>
+            </a:r>
+          </a:p>
+          <a:p>
+            <a:pPr algn="l"/>
+            <a:r>
+              <a:rPr lang="pt-BR" b="0" i="0" dirty="0">
+                <a:solidFill>
+                  <a:srgbClr val="161513"/>
+                </a:solidFill>
+                <a:effectLst/>
+                <a:latin typeface="OracleSansVF"/>
+              </a:rPr>
+              <a:t>Os dados nos tipos mais comuns de bancos de dados em operação atualmente são modelados em linhas e colunas em uma série de tabelas para tornar o processamento e a consulta de dados eficientes. Os dados podem ser facilmente acessados, gerenciados, modificados, atualizados, controlados e organizados. A maioria dos bancos de dados usa a linguagem de consulta estruturada (SQL) para escrever e consultar dados.</a:t>
+            </a:r>
+          </a:p>
+          <a:p>
+            <a:pPr marL="3657600" lvl="8" indent="0">
+              <a:buNone/>
+            </a:pPr>
+            <a:r>
+              <a:rPr lang="pt-BR" dirty="0"/>
+              <a:t>			https://www.oracle.com/</a:t>
+            </a:r>
           </a:p>
         </p:txBody>
       </p:sp>
     </p:spTree>
     <p:extLst>
       <p:ext uri="{BB962C8B-B14F-4D97-AF65-F5344CB8AC3E}">
-        <p14:creationId xmlns:p14="http://schemas.microsoft.com/office/powerpoint/2010/main" val="1314821681"/>
+        <p14:creationId xmlns:p14="http://schemas.microsoft.com/office/powerpoint/2010/main" val="1391737349"/>
       </p:ext>
     </p:extLst>
   </p:cSld>
@@ -6681,7 +7356,7 @@
           <a:p>
             <a:r>
               <a:rPr lang="pt-BR" dirty="0"/>
-              <a:t>EXCEL</a:t>
+              <a:t>API</a:t>
             </a:r>
           </a:p>
         </p:txBody>
@@ -6708,14 +7383,77 @@
           <a:lstStyle/>
           <a:p>
             <a:pPr algn="l"/>
-            <a:endParaRPr lang="pt-BR" dirty="0"/>
+            <a:r>
+              <a:rPr lang="pt-BR" b="0" i="0" dirty="0">
+                <a:solidFill>
+                  <a:srgbClr val="333333"/>
+                </a:solidFill>
+                <a:effectLst/>
+                <a:latin typeface="AmazonEmber"/>
+              </a:rPr>
+              <a:t>API significa </a:t>
+            </a:r>
+            <a:r>
+              <a:rPr lang="pt-BR" b="0" i="0" dirty="0" err="1">
+                <a:solidFill>
+                  <a:srgbClr val="333333"/>
+                </a:solidFill>
+                <a:effectLst/>
+                <a:latin typeface="AmazonEmber"/>
+              </a:rPr>
+              <a:t>Application</a:t>
+            </a:r>
+            <a:r>
+              <a:rPr lang="pt-BR" b="0" i="0" dirty="0">
+                <a:solidFill>
+                  <a:srgbClr val="333333"/>
+                </a:solidFill>
+                <a:effectLst/>
+                <a:latin typeface="AmazonEmber"/>
+              </a:rPr>
+              <a:t> </a:t>
+            </a:r>
+            <a:r>
+              <a:rPr lang="pt-BR" b="0" i="0" dirty="0" err="1">
+                <a:solidFill>
+                  <a:srgbClr val="333333"/>
+                </a:solidFill>
+                <a:effectLst/>
+                <a:latin typeface="AmazonEmber"/>
+              </a:rPr>
+              <a:t>Programming</a:t>
+            </a:r>
+            <a:r>
+              <a:rPr lang="pt-BR" b="0" i="0" dirty="0">
+                <a:solidFill>
+                  <a:srgbClr val="333333"/>
+                </a:solidFill>
+                <a:effectLst/>
+                <a:latin typeface="AmazonEmber"/>
+              </a:rPr>
+              <a:t> Interface (Interface de Programação de Aplicação). No contexto de APIs, a palavra Aplicação refere-se a qualquer software com uma função distinta. A interface pode ser pensada como um contrato de serviço entre duas aplicações. Esse contrato define como as duas se comunicam usando solicitações e respostas. A documentação de suas respectivas APIs contém informações sobre como os desenvolvedores devem estruturar essas solicitações e respostas.</a:t>
+            </a:r>
+          </a:p>
+          <a:p>
+            <a:pPr marL="0" indent="0" algn="l">
+              <a:buNone/>
+            </a:pPr>
+            <a:r>
+              <a:rPr lang="pt-BR" dirty="0">
+                <a:solidFill>
+                  <a:srgbClr val="333333"/>
+                </a:solidFill>
+                <a:latin typeface="AmazonEmber"/>
+              </a:rPr>
+              <a:t>												https://aws.amazon.com/</a:t>
+            </a:r>
           </a:p>
         </p:txBody>
       </p:sp>
     </p:spTree>
     <p:extLst>
       <p:ext uri="{BB962C8B-B14F-4D97-AF65-F5344CB8AC3E}">
-        <p14:creationId xmlns:p14="http://schemas.microsoft.com/office/powerpoint/2010/main" val="2210706929"/>
+        <p14:creationId xmlns:p14="http://schemas.microsoft.com/office/powerpoint/2010/main" val="1314821681"/>
       </p:ext>
     </p:extLst>
   </p:cSld>
@@ -6765,7 +7503,7 @@
           <a:p>
             <a:r>
               <a:rPr lang="pt-BR" dirty="0"/>
-              <a:t>RPA</a:t>
+              <a:t>EXCEL</a:t>
             </a:r>
           </a:p>
         </p:txBody>
@@ -6799,7 +7537,7 @@
     </p:spTree>
     <p:extLst>
       <p:ext uri="{BB962C8B-B14F-4D97-AF65-F5344CB8AC3E}">
-        <p14:creationId xmlns:p14="http://schemas.microsoft.com/office/powerpoint/2010/main" val="2358241928"/>
+        <p14:creationId xmlns:p14="http://schemas.microsoft.com/office/powerpoint/2010/main" val="2210706929"/>
       </p:ext>
     </p:extLst>
   </p:cSld>

--- a/Curso/Curso - cSharp.pptx
+++ b/Curso/Curso - cSharp.pptx
@@ -1,20 +1,20 @@
 
 <file path=ppt/presentation.xml><?xml version="1.0" encoding="utf-8"?>
-<p:presentation xmlns:a="http://schemas.openxmlformats.org/drawingml/2006/main" xmlns:r="http://schemas.openxmlformats.org/officeDocument/2006/relationships" xmlns:p="http://schemas.openxmlformats.org/presentationml/2006/main" saveSubsetFonts="1">
+<p:presentation xmlns:a="http://schemas.openxmlformats.org/drawingml/2006/main" xmlns:r="http://schemas.openxmlformats.org/officeDocument/2006/relationships" xmlns:p="http://schemas.openxmlformats.org/presentationml/2006/main">
   <p:sldMasterIdLst>
-    <p:sldMasterId id="2147483712" r:id="rId1"/>
+    <p:sldMasterId id="2147483648" r:id="rId1"/>
   </p:sldMasterIdLst>
   <p:sldIdLst>
-    <p:sldId id="256" r:id="rId2"/>
-    <p:sldId id="257" r:id="rId3"/>
-    <p:sldId id="258" r:id="rId4"/>
-    <p:sldId id="259" r:id="rId5"/>
-    <p:sldId id="260" r:id="rId6"/>
-    <p:sldId id="265" r:id="rId7"/>
-    <p:sldId id="261" r:id="rId8"/>
-    <p:sldId id="262" r:id="rId9"/>
-    <p:sldId id="263" r:id="rId10"/>
-    <p:sldId id="264" r:id="rId11"/>
+    <p:sldId id="256" r:id="rId3"/>
+    <p:sldId id="257" r:id="rId4"/>
+    <p:sldId id="258" r:id="rId5"/>
+    <p:sldId id="259" r:id="rId6"/>
+    <p:sldId id="260" r:id="rId7"/>
+    <p:sldId id="265" r:id="rId8"/>
+    <p:sldId id="261" r:id="rId9"/>
+    <p:sldId id="262" r:id="rId10"/>
+    <p:sldId id="263" r:id="rId11"/>
+    <p:sldId id="264" r:id="rId12"/>
   </p:sldIdLst>
   <p:sldSz cx="12192000" cy="6858000"/>
   <p:notesSz cx="6858000" cy="9144000"/>
@@ -113,16 +113,11 @@
       </a:defRPr>
     </a:lvl9pPr>
   </p:defaultTextStyle>
-  <p:extLst>
-    <p:ext uri="{EFAFB233-063F-42B5-8137-9DF3F51BA10A}">
-      <p15:sldGuideLst xmlns:p15="http://schemas.microsoft.com/office/powerpoint/2012/main"/>
-    </p:ext>
-  </p:extLst>
 </p:presentation>
 </file>
 
 <file path=ppt/slideLayouts/slideLayout1.xml><?xml version="1.0" encoding="utf-8"?>
-<p:sldLayout xmlns:a="http://schemas.openxmlformats.org/drawingml/2006/main" xmlns:r="http://schemas.openxmlformats.org/officeDocument/2006/relationships" xmlns:p="http://schemas.openxmlformats.org/presentationml/2006/main" showMasterSp="0" type="title" preserve="1">
+<p:sldLayout xmlns:a="http://schemas.openxmlformats.org/drawingml/2006/main" xmlns:r="http://schemas.openxmlformats.org/officeDocument/2006/relationships" xmlns:p="http://schemas.openxmlformats.org/presentationml/2006/main" type="title" preserve="1" showMasterSp="0">
   <p:cSld name="Slide de Título">
     <p:spTree>
       <p:nvGrpSpPr>
@@ -675,7 +670,7 @@
             <a:spLocks noGrp="1"/>
           </p:cNvSpPr>
           <p:nvPr>
-            <p:ph type="ctrTitle"/>
+            <p:ph type="ctrTitle" hasCustomPrompt="1"/>
           </p:nvPr>
         </p:nvSpPr>
         <p:spPr>
@@ -843,7 +838,6 @@
           <a:p>
             <a:fld id="{532F2A02-4C69-4939-83D2-84847015951C}" type="datetimeFigureOut">
               <a:rPr lang="pt-BR" smtClean="0"/>
-              <a:t>23/10/2022</a:t>
             </a:fld>
             <a:endParaRPr lang="pt-BR"/>
           </a:p>
@@ -885,18 +879,12 @@
           <a:p>
             <a:fld id="{34E3BEDB-5316-49CE-AA92-CA805357EE90}" type="slidenum">
               <a:rPr lang="pt-BR" smtClean="0"/>
-              <a:t>‹nº›</a:t>
             </a:fld>
             <a:endParaRPr lang="pt-BR"/>
           </a:p>
         </p:txBody>
       </p:sp>
     </p:spTree>
-    <p:extLst>
-      <p:ext uri="{BB962C8B-B14F-4D97-AF65-F5344CB8AC3E}">
-        <p14:creationId xmlns:p14="http://schemas.microsoft.com/office/powerpoint/2010/main" val="2924914942"/>
-      </p:ext>
-    </p:extLst>
   </p:cSld>
   <p:clrMapOvr>
     <a:masterClrMapping/>
@@ -928,7 +916,7 @@
             <a:spLocks noGrp="1"/>
           </p:cNvSpPr>
           <p:nvPr>
-            <p:ph type="title"/>
+            <p:ph type="title" hasCustomPrompt="1"/>
           </p:nvPr>
         </p:nvSpPr>
         <p:spPr>
@@ -962,7 +950,7 @@
             <a:spLocks noGrp="1"/>
           </p:cNvSpPr>
           <p:nvPr>
-            <p:ph type="body" idx="1"/>
+            <p:ph type="body" idx="1" hasCustomPrompt="1"/>
           </p:nvPr>
         </p:nvSpPr>
         <p:spPr>
@@ -1074,6 +1062,7 @@
               <a:rPr lang="pt-BR"/>
               <a:t>Clique para editar os estilos de texto Mestres</a:t>
             </a:r>
+            <a:endParaRPr lang="pt-BR"/>
           </a:p>
         </p:txBody>
       </p:sp>
@@ -1094,7 +1083,6 @@
           <a:p>
             <a:fld id="{532F2A02-4C69-4939-83D2-84847015951C}" type="datetimeFigureOut">
               <a:rPr lang="pt-BR" smtClean="0"/>
-              <a:t>23/10/2022</a:t>
             </a:fld>
             <a:endParaRPr lang="pt-BR"/>
           </a:p>
@@ -1136,18 +1124,12 @@
           <a:p>
             <a:fld id="{34E3BEDB-5316-49CE-AA92-CA805357EE90}" type="slidenum">
               <a:rPr lang="pt-BR" smtClean="0"/>
-              <a:t>‹nº›</a:t>
             </a:fld>
             <a:endParaRPr lang="pt-BR"/>
           </a:p>
         </p:txBody>
       </p:sp>
     </p:spTree>
-    <p:extLst>
-      <p:ext uri="{BB962C8B-B14F-4D97-AF65-F5344CB8AC3E}">
-        <p14:creationId xmlns:p14="http://schemas.microsoft.com/office/powerpoint/2010/main" val="3385436895"/>
-      </p:ext>
-    </p:extLst>
   </p:cSld>
   <p:clrMapOvr>
     <a:masterClrMapping/>
@@ -1179,7 +1161,7 @@
             <a:spLocks noGrp="1"/>
           </p:cNvSpPr>
           <p:nvPr>
-            <p:ph type="title"/>
+            <p:ph type="title" hasCustomPrompt="1"/>
           </p:nvPr>
         </p:nvSpPr>
         <p:spPr>
@@ -1213,7 +1195,7 @@
             <a:spLocks noGrp="1"/>
           </p:cNvSpPr>
           <p:nvPr>
-            <p:ph type="body" sz="quarter" idx="13"/>
+            <p:ph type="body" sz="quarter" idx="13" hasCustomPrompt="1"/>
           </p:nvPr>
         </p:nvSpPr>
         <p:spPr>
@@ -1266,6 +1248,7 @@
               <a:rPr lang="pt-BR"/>
               <a:t>Clique para editar os estilos de texto Mestres</a:t>
             </a:r>
+            <a:endParaRPr lang="pt-BR"/>
           </a:p>
         </p:txBody>
       </p:sp>
@@ -1276,7 +1259,7 @@
             <a:spLocks noGrp="1"/>
           </p:cNvSpPr>
           <p:nvPr>
-            <p:ph type="body" idx="1"/>
+            <p:ph type="body" idx="1" hasCustomPrompt="1"/>
           </p:nvPr>
         </p:nvSpPr>
         <p:spPr>
@@ -1388,6 +1371,7 @@
               <a:rPr lang="pt-BR"/>
               <a:t>Clique para editar os estilos de texto Mestres</a:t>
             </a:r>
+            <a:endParaRPr lang="pt-BR"/>
           </a:p>
         </p:txBody>
       </p:sp>
@@ -1408,7 +1392,6 @@
           <a:p>
             <a:fld id="{532F2A02-4C69-4939-83D2-84847015951C}" type="datetimeFigureOut">
               <a:rPr lang="pt-BR" smtClean="0"/>
-              <a:t>23/10/2022</a:t>
             </a:fld>
             <a:endParaRPr lang="pt-BR"/>
           </a:p>
@@ -1450,7 +1433,6 @@
           <a:p>
             <a:fld id="{34E3BEDB-5316-49CE-AA92-CA805357EE90}" type="slidenum">
               <a:rPr lang="pt-BR" smtClean="0"/>
-              <a:t>‹nº›</a:t>
             </a:fld>
             <a:endParaRPr lang="pt-BR"/>
           </a:p>
@@ -1490,10 +1472,23 @@
                   </a:schemeClr>
                 </a:solidFill>
                 <a:effectLst/>
-                <a:latin typeface="Arial"/>
+                <a:latin typeface="Arial" panose="020B0604020202020204"/>
               </a:rPr>
               <a:t>“</a:t>
             </a:r>
+            <a:endParaRPr lang="en-US" sz="8000" baseline="0" dirty="0">
+              <a:ln w="3175" cmpd="sng">
+                <a:noFill/>
+              </a:ln>
+              <a:solidFill>
+                <a:schemeClr val="accent1">
+                  <a:lumMod val="60000"/>
+                  <a:lumOff val="40000"/>
+                </a:schemeClr>
+              </a:solidFill>
+              <a:effectLst/>
+              <a:latin typeface="Arial" panose="020B0604020202020204"/>
+            </a:endParaRPr>
           </a:p>
         </p:txBody>
       </p:sp>
@@ -1530,7 +1525,7 @@
                     <a:lumOff val="40000"/>
                   </a:schemeClr>
                 </a:solidFill>
-                <a:latin typeface="Arial"/>
+                <a:latin typeface="Arial" panose="020B0604020202020204"/>
               </a:rPr>
               <a:t>”</a:t>
             </a:r>
@@ -1541,17 +1536,12 @@
                   <a:lumOff val="40000"/>
                 </a:schemeClr>
               </a:solidFill>
-              <a:latin typeface="Arial"/>
+              <a:latin typeface="Arial" panose="020B0604020202020204"/>
             </a:endParaRPr>
           </a:p>
         </p:txBody>
       </p:sp>
     </p:spTree>
-    <p:extLst>
-      <p:ext uri="{BB962C8B-B14F-4D97-AF65-F5344CB8AC3E}">
-        <p14:creationId xmlns:p14="http://schemas.microsoft.com/office/powerpoint/2010/main" val="9458115"/>
-      </p:ext>
-    </p:extLst>
   </p:cSld>
   <p:clrMapOvr>
     <a:masterClrMapping/>
@@ -1583,7 +1573,7 @@
             <a:spLocks noGrp="1"/>
           </p:cNvSpPr>
           <p:nvPr>
-            <p:ph type="title"/>
+            <p:ph type="title" hasCustomPrompt="1"/>
           </p:nvPr>
         </p:nvSpPr>
         <p:spPr>
@@ -1617,7 +1607,7 @@
             <a:spLocks noGrp="1"/>
           </p:cNvSpPr>
           <p:nvPr>
-            <p:ph type="body" idx="1"/>
+            <p:ph type="body" idx="1" hasCustomPrompt="1"/>
           </p:nvPr>
         </p:nvSpPr>
         <p:spPr>
@@ -1729,6 +1719,7 @@
               <a:rPr lang="pt-BR"/>
               <a:t>Clique para editar os estilos de texto Mestres</a:t>
             </a:r>
+            <a:endParaRPr lang="pt-BR"/>
           </a:p>
         </p:txBody>
       </p:sp>
@@ -1749,7 +1740,6 @@
           <a:p>
             <a:fld id="{532F2A02-4C69-4939-83D2-84847015951C}" type="datetimeFigureOut">
               <a:rPr lang="pt-BR" smtClean="0"/>
-              <a:t>23/10/2022</a:t>
             </a:fld>
             <a:endParaRPr lang="pt-BR"/>
           </a:p>
@@ -1791,18 +1781,12 @@
           <a:p>
             <a:fld id="{34E3BEDB-5316-49CE-AA92-CA805357EE90}" type="slidenum">
               <a:rPr lang="pt-BR" smtClean="0"/>
-              <a:t>‹nº›</a:t>
             </a:fld>
             <a:endParaRPr lang="pt-BR"/>
           </a:p>
         </p:txBody>
       </p:sp>
     </p:spTree>
-    <p:extLst>
-      <p:ext uri="{BB962C8B-B14F-4D97-AF65-F5344CB8AC3E}">
-        <p14:creationId xmlns:p14="http://schemas.microsoft.com/office/powerpoint/2010/main" val="62170549"/>
-      </p:ext>
-    </p:extLst>
   </p:cSld>
   <p:clrMapOvr>
     <a:masterClrMapping/>
@@ -1834,7 +1818,7 @@
             <a:spLocks noGrp="1"/>
           </p:cNvSpPr>
           <p:nvPr>
-            <p:ph type="title"/>
+            <p:ph type="title" hasCustomPrompt="1"/>
           </p:nvPr>
         </p:nvSpPr>
         <p:spPr>
@@ -1868,7 +1852,7 @@
             <a:spLocks noGrp="1"/>
           </p:cNvSpPr>
           <p:nvPr>
-            <p:ph type="body" sz="quarter" idx="13"/>
+            <p:ph type="body" sz="quarter" idx="13" hasCustomPrompt="1"/>
           </p:nvPr>
         </p:nvSpPr>
         <p:spPr>
@@ -1921,6 +1905,7 @@
               <a:rPr lang="pt-BR"/>
               <a:t>Clique para editar os estilos de texto Mestres</a:t>
             </a:r>
+            <a:endParaRPr lang="pt-BR"/>
           </a:p>
         </p:txBody>
       </p:sp>
@@ -1931,7 +1916,7 @@
             <a:spLocks noGrp="1"/>
           </p:cNvSpPr>
           <p:nvPr>
-            <p:ph type="body" idx="1"/>
+            <p:ph type="body" idx="1" hasCustomPrompt="1"/>
           </p:nvPr>
         </p:nvSpPr>
         <p:spPr>
@@ -2043,6 +2028,7 @@
               <a:rPr lang="pt-BR"/>
               <a:t>Clique para editar os estilos de texto Mestres</a:t>
             </a:r>
+            <a:endParaRPr lang="pt-BR"/>
           </a:p>
         </p:txBody>
       </p:sp>
@@ -2063,7 +2049,6 @@
           <a:p>
             <a:fld id="{532F2A02-4C69-4939-83D2-84847015951C}" type="datetimeFigureOut">
               <a:rPr lang="pt-BR" smtClean="0"/>
-              <a:t>23/10/2022</a:t>
             </a:fld>
             <a:endParaRPr lang="pt-BR"/>
           </a:p>
@@ -2105,7 +2090,6 @@
           <a:p>
             <a:fld id="{34E3BEDB-5316-49CE-AA92-CA805357EE90}" type="slidenum">
               <a:rPr lang="pt-BR" smtClean="0"/>
-              <a:t>‹nº›</a:t>
             </a:fld>
             <a:endParaRPr lang="pt-BR"/>
           </a:p>
@@ -2145,10 +2129,23 @@
                   </a:schemeClr>
                 </a:solidFill>
                 <a:effectLst/>
-                <a:latin typeface="Arial"/>
+                <a:latin typeface="Arial" panose="020B0604020202020204"/>
               </a:rPr>
               <a:t>“</a:t>
             </a:r>
+            <a:endParaRPr lang="en-US" sz="8000" baseline="0" dirty="0">
+              <a:ln w="3175" cmpd="sng">
+                <a:noFill/>
+              </a:ln>
+              <a:solidFill>
+                <a:schemeClr val="accent1">
+                  <a:lumMod val="60000"/>
+                  <a:lumOff val="40000"/>
+                </a:schemeClr>
+              </a:solidFill>
+              <a:effectLst/>
+              <a:latin typeface="Arial" panose="020B0604020202020204"/>
+            </a:endParaRPr>
           </a:p>
         </p:txBody>
       </p:sp>
@@ -2186,19 +2183,27 @@
                   </a:schemeClr>
                 </a:solidFill>
                 <a:effectLst/>
-                <a:latin typeface="Arial"/>
+                <a:latin typeface="Arial" panose="020B0604020202020204"/>
               </a:rPr>
               <a:t>”</a:t>
             </a:r>
+            <a:endParaRPr lang="en-US" sz="8000" baseline="0" dirty="0">
+              <a:ln w="3175" cmpd="sng">
+                <a:noFill/>
+              </a:ln>
+              <a:solidFill>
+                <a:schemeClr val="accent1">
+                  <a:lumMod val="60000"/>
+                  <a:lumOff val="40000"/>
+                </a:schemeClr>
+              </a:solidFill>
+              <a:effectLst/>
+              <a:latin typeface="Arial" panose="020B0604020202020204"/>
+            </a:endParaRPr>
           </a:p>
         </p:txBody>
       </p:sp>
     </p:spTree>
-    <p:extLst>
-      <p:ext uri="{BB962C8B-B14F-4D97-AF65-F5344CB8AC3E}">
-        <p14:creationId xmlns:p14="http://schemas.microsoft.com/office/powerpoint/2010/main" val="1180676310"/>
-      </p:ext>
-    </p:extLst>
   </p:cSld>
   <p:clrMapOvr>
     <a:masterClrMapping/>
@@ -2230,7 +2235,7 @@
             <a:spLocks noGrp="1"/>
           </p:cNvSpPr>
           <p:nvPr>
-            <p:ph type="title"/>
+            <p:ph type="title" hasCustomPrompt="1"/>
           </p:nvPr>
         </p:nvSpPr>
         <p:spPr>
@@ -2264,7 +2269,7 @@
             <a:spLocks noGrp="1"/>
           </p:cNvSpPr>
           <p:nvPr>
-            <p:ph type="body" sz="quarter" idx="13"/>
+            <p:ph type="body" sz="quarter" idx="13" hasCustomPrompt="1"/>
           </p:nvPr>
         </p:nvSpPr>
         <p:spPr>
@@ -2314,6 +2319,7 @@
               <a:rPr lang="pt-BR"/>
               <a:t>Clique para editar os estilos de texto Mestres</a:t>
             </a:r>
+            <a:endParaRPr lang="pt-BR"/>
           </a:p>
         </p:txBody>
       </p:sp>
@@ -2324,7 +2330,7 @@
             <a:spLocks noGrp="1"/>
           </p:cNvSpPr>
           <p:nvPr>
-            <p:ph type="body" idx="1"/>
+            <p:ph type="body" idx="1" hasCustomPrompt="1"/>
           </p:nvPr>
         </p:nvSpPr>
         <p:spPr>
@@ -2436,6 +2442,7 @@
               <a:rPr lang="pt-BR"/>
               <a:t>Clique para editar os estilos de texto Mestres</a:t>
             </a:r>
+            <a:endParaRPr lang="pt-BR"/>
           </a:p>
         </p:txBody>
       </p:sp>
@@ -2456,7 +2463,6 @@
           <a:p>
             <a:fld id="{532F2A02-4C69-4939-83D2-84847015951C}" type="datetimeFigureOut">
               <a:rPr lang="pt-BR" smtClean="0"/>
-              <a:t>23/10/2022</a:t>
             </a:fld>
             <a:endParaRPr lang="pt-BR"/>
           </a:p>
@@ -2498,18 +2504,12 @@
           <a:p>
             <a:fld id="{34E3BEDB-5316-49CE-AA92-CA805357EE90}" type="slidenum">
               <a:rPr lang="pt-BR" smtClean="0"/>
-              <a:t>‹nº›</a:t>
             </a:fld>
             <a:endParaRPr lang="pt-BR"/>
           </a:p>
         </p:txBody>
       </p:sp>
     </p:spTree>
-    <p:extLst>
-      <p:ext uri="{BB962C8B-B14F-4D97-AF65-F5344CB8AC3E}">
-        <p14:creationId xmlns:p14="http://schemas.microsoft.com/office/powerpoint/2010/main" val="2020886557"/>
-      </p:ext>
-    </p:extLst>
   </p:cSld>
   <p:clrMapOvr>
     <a:masterClrMapping/>
@@ -2541,7 +2541,7 @@
             <a:spLocks noGrp="1"/>
           </p:cNvSpPr>
           <p:nvPr>
-            <p:ph type="title"/>
+            <p:ph type="title" hasCustomPrompt="1"/>
           </p:nvPr>
         </p:nvSpPr>
         <p:spPr/>
@@ -2564,7 +2564,7 @@
             <a:spLocks noGrp="1"/>
           </p:cNvSpPr>
           <p:nvPr>
-            <p:ph type="body" orient="vert" idx="1"/>
+            <p:ph type="body" orient="vert" idx="1" hasCustomPrompt="1"/>
           </p:nvPr>
         </p:nvSpPr>
         <p:spPr/>
@@ -2577,6 +2577,7 @@
               <a:rPr lang="pt-BR"/>
               <a:t>Clique para editar os estilos de texto Mestres</a:t>
             </a:r>
+            <a:endParaRPr lang="pt-BR"/>
           </a:p>
           <a:p>
             <a:pPr lvl="1"/>
@@ -2584,6 +2585,7 @@
               <a:rPr lang="pt-BR"/>
               <a:t>Segundo nível</a:t>
             </a:r>
+            <a:endParaRPr lang="pt-BR"/>
           </a:p>
           <a:p>
             <a:pPr lvl="2"/>
@@ -2591,6 +2593,7 @@
               <a:rPr lang="pt-BR"/>
               <a:t>Terceiro nível</a:t>
             </a:r>
+            <a:endParaRPr lang="pt-BR"/>
           </a:p>
           <a:p>
             <a:pPr lvl="3"/>
@@ -2598,6 +2601,7 @@
               <a:rPr lang="pt-BR"/>
               <a:t>Quarto nível</a:t>
             </a:r>
+            <a:endParaRPr lang="pt-BR"/>
           </a:p>
           <a:p>
             <a:pPr lvl="4"/>
@@ -2626,7 +2630,6 @@
           <a:p>
             <a:fld id="{532F2A02-4C69-4939-83D2-84847015951C}" type="datetimeFigureOut">
               <a:rPr lang="pt-BR" smtClean="0"/>
-              <a:t>23/10/2022</a:t>
             </a:fld>
             <a:endParaRPr lang="pt-BR"/>
           </a:p>
@@ -2668,18 +2671,12 @@
           <a:p>
             <a:fld id="{34E3BEDB-5316-49CE-AA92-CA805357EE90}" type="slidenum">
               <a:rPr lang="pt-BR" smtClean="0"/>
-              <a:t>‹nº›</a:t>
             </a:fld>
             <a:endParaRPr lang="pt-BR"/>
           </a:p>
         </p:txBody>
       </p:sp>
     </p:spTree>
-    <p:extLst>
-      <p:ext uri="{BB962C8B-B14F-4D97-AF65-F5344CB8AC3E}">
-        <p14:creationId xmlns:p14="http://schemas.microsoft.com/office/powerpoint/2010/main" val="1626784652"/>
-      </p:ext>
-    </p:extLst>
   </p:cSld>
   <p:clrMapOvr>
     <a:masterClrMapping/>
@@ -2711,7 +2708,7 @@
             <a:spLocks noGrp="1"/>
           </p:cNvSpPr>
           <p:nvPr>
-            <p:ph type="title" orient="vert"/>
+            <p:ph type="title" orient="vert" hasCustomPrompt="1"/>
           </p:nvPr>
         </p:nvSpPr>
         <p:spPr>
@@ -2739,7 +2736,7 @@
             <a:spLocks noGrp="1"/>
           </p:cNvSpPr>
           <p:nvPr>
-            <p:ph type="body" orient="vert" idx="1"/>
+            <p:ph type="body" orient="vert" idx="1" hasCustomPrompt="1"/>
           </p:nvPr>
         </p:nvSpPr>
         <p:spPr>
@@ -2757,6 +2754,7 @@
               <a:rPr lang="pt-BR"/>
               <a:t>Clique para editar os estilos de texto Mestres</a:t>
             </a:r>
+            <a:endParaRPr lang="pt-BR"/>
           </a:p>
           <a:p>
             <a:pPr lvl="1"/>
@@ -2764,6 +2762,7 @@
               <a:rPr lang="pt-BR"/>
               <a:t>Segundo nível</a:t>
             </a:r>
+            <a:endParaRPr lang="pt-BR"/>
           </a:p>
           <a:p>
             <a:pPr lvl="2"/>
@@ -2771,6 +2770,7 @@
               <a:rPr lang="pt-BR"/>
               <a:t>Terceiro nível</a:t>
             </a:r>
+            <a:endParaRPr lang="pt-BR"/>
           </a:p>
           <a:p>
             <a:pPr lvl="3"/>
@@ -2778,6 +2778,7 @@
               <a:rPr lang="pt-BR"/>
               <a:t>Quarto nível</a:t>
             </a:r>
+            <a:endParaRPr lang="pt-BR"/>
           </a:p>
           <a:p>
             <a:pPr lvl="4"/>
@@ -2806,7 +2807,6 @@
           <a:p>
             <a:fld id="{532F2A02-4C69-4939-83D2-84847015951C}" type="datetimeFigureOut">
               <a:rPr lang="pt-BR" smtClean="0"/>
-              <a:t>23/10/2022</a:t>
             </a:fld>
             <a:endParaRPr lang="pt-BR"/>
           </a:p>
@@ -2848,18 +2848,12 @@
           <a:p>
             <a:fld id="{34E3BEDB-5316-49CE-AA92-CA805357EE90}" type="slidenum">
               <a:rPr lang="pt-BR" smtClean="0"/>
-              <a:t>‹nº›</a:t>
             </a:fld>
             <a:endParaRPr lang="pt-BR"/>
           </a:p>
         </p:txBody>
       </p:sp>
     </p:spTree>
-    <p:extLst>
-      <p:ext uri="{BB962C8B-B14F-4D97-AF65-F5344CB8AC3E}">
-        <p14:creationId xmlns:p14="http://schemas.microsoft.com/office/powerpoint/2010/main" val="2786627601"/>
-      </p:ext>
-    </p:extLst>
   </p:cSld>
   <p:clrMapOvr>
     <a:masterClrMapping/>
@@ -2891,7 +2885,7 @@
             <a:spLocks noGrp="1"/>
           </p:cNvSpPr>
           <p:nvPr>
-            <p:ph type="title"/>
+            <p:ph type="title" hasCustomPrompt="1"/>
           </p:nvPr>
         </p:nvSpPr>
         <p:spPr/>
@@ -2920,7 +2914,7 @@
             <a:spLocks noGrp="1"/>
           </p:cNvSpPr>
           <p:nvPr>
-            <p:ph idx="1"/>
+            <p:ph idx="1" hasCustomPrompt="1"/>
           </p:nvPr>
         </p:nvSpPr>
         <p:spPr/>
@@ -2933,6 +2927,7 @@
               <a:rPr lang="pt-BR"/>
               <a:t>Clique para editar os estilos de texto Mestres</a:t>
             </a:r>
+            <a:endParaRPr lang="pt-BR"/>
           </a:p>
           <a:p>
             <a:pPr lvl="1"/>
@@ -2940,6 +2935,7 @@
               <a:rPr lang="pt-BR"/>
               <a:t>Segundo nível</a:t>
             </a:r>
+            <a:endParaRPr lang="pt-BR"/>
           </a:p>
           <a:p>
             <a:pPr lvl="2"/>
@@ -2947,6 +2943,7 @@
               <a:rPr lang="pt-BR"/>
               <a:t>Terceiro nível</a:t>
             </a:r>
+            <a:endParaRPr lang="pt-BR"/>
           </a:p>
           <a:p>
             <a:pPr lvl="3"/>
@@ -2954,6 +2951,7 @@
               <a:rPr lang="pt-BR"/>
               <a:t>Quarto nível</a:t>
             </a:r>
+            <a:endParaRPr lang="pt-BR"/>
           </a:p>
           <a:p>
             <a:pPr lvl="4"/>
@@ -2982,7 +2980,6 @@
           <a:p>
             <a:fld id="{532F2A02-4C69-4939-83D2-84847015951C}" type="datetimeFigureOut">
               <a:rPr lang="pt-BR" smtClean="0"/>
-              <a:t>23/10/2022</a:t>
             </a:fld>
             <a:endParaRPr lang="pt-BR"/>
           </a:p>
@@ -3024,18 +3021,12 @@
           <a:p>
             <a:fld id="{34E3BEDB-5316-49CE-AA92-CA805357EE90}" type="slidenum">
               <a:rPr lang="pt-BR" smtClean="0"/>
-              <a:t>‹nº›</a:t>
             </a:fld>
             <a:endParaRPr lang="pt-BR"/>
           </a:p>
         </p:txBody>
       </p:sp>
     </p:spTree>
-    <p:extLst>
-      <p:ext uri="{BB962C8B-B14F-4D97-AF65-F5344CB8AC3E}">
-        <p14:creationId xmlns:p14="http://schemas.microsoft.com/office/powerpoint/2010/main" val="3132152780"/>
-      </p:ext>
-    </p:extLst>
   </p:cSld>
   <p:clrMapOvr>
     <a:masterClrMapping/>
@@ -3067,7 +3058,7 @@
             <a:spLocks noGrp="1"/>
           </p:cNvSpPr>
           <p:nvPr>
-            <p:ph type="title"/>
+            <p:ph type="title" hasCustomPrompt="1"/>
           </p:nvPr>
         </p:nvSpPr>
         <p:spPr>
@@ -3099,7 +3090,7 @@
             <a:spLocks noGrp="1"/>
           </p:cNvSpPr>
           <p:nvPr>
-            <p:ph type="body" idx="1"/>
+            <p:ph type="body" idx="1" hasCustomPrompt="1"/>
           </p:nvPr>
         </p:nvSpPr>
         <p:spPr>
@@ -3209,6 +3200,7 @@
               <a:rPr lang="pt-BR"/>
               <a:t>Clique para editar os estilos de texto Mestres</a:t>
             </a:r>
+            <a:endParaRPr lang="pt-BR"/>
           </a:p>
         </p:txBody>
       </p:sp>
@@ -3229,7 +3221,6 @@
           <a:p>
             <a:fld id="{532F2A02-4C69-4939-83D2-84847015951C}" type="datetimeFigureOut">
               <a:rPr lang="pt-BR" smtClean="0"/>
-              <a:t>23/10/2022</a:t>
             </a:fld>
             <a:endParaRPr lang="pt-BR"/>
           </a:p>
@@ -3271,18 +3262,12 @@
           <a:p>
             <a:fld id="{34E3BEDB-5316-49CE-AA92-CA805357EE90}" type="slidenum">
               <a:rPr lang="pt-BR" smtClean="0"/>
-              <a:t>‹nº›</a:t>
             </a:fld>
             <a:endParaRPr lang="pt-BR"/>
           </a:p>
         </p:txBody>
       </p:sp>
     </p:spTree>
-    <p:extLst>
-      <p:ext uri="{BB962C8B-B14F-4D97-AF65-F5344CB8AC3E}">
-        <p14:creationId xmlns:p14="http://schemas.microsoft.com/office/powerpoint/2010/main" val="1820726126"/>
-      </p:ext>
-    </p:extLst>
   </p:cSld>
   <p:clrMapOvr>
     <a:masterClrMapping/>
@@ -3314,7 +3299,7 @@
             <a:spLocks noGrp="1"/>
           </p:cNvSpPr>
           <p:nvPr>
-            <p:ph type="title"/>
+            <p:ph type="title" hasCustomPrompt="1"/>
           </p:nvPr>
         </p:nvSpPr>
         <p:spPr/>
@@ -3337,7 +3322,7 @@
             <a:spLocks noGrp="1"/>
           </p:cNvSpPr>
           <p:nvPr>
-            <p:ph sz="half" idx="1"/>
+            <p:ph sz="half" idx="1" hasCustomPrompt="1"/>
           </p:nvPr>
         </p:nvSpPr>
         <p:spPr>
@@ -3355,6 +3340,7 @@
               <a:rPr lang="pt-BR"/>
               <a:t>Clique para editar os estilos de texto Mestres</a:t>
             </a:r>
+            <a:endParaRPr lang="pt-BR"/>
           </a:p>
           <a:p>
             <a:pPr lvl="1"/>
@@ -3362,6 +3348,7 @@
               <a:rPr lang="pt-BR"/>
               <a:t>Segundo nível</a:t>
             </a:r>
+            <a:endParaRPr lang="pt-BR"/>
           </a:p>
           <a:p>
             <a:pPr lvl="2"/>
@@ -3369,6 +3356,7 @@
               <a:rPr lang="pt-BR"/>
               <a:t>Terceiro nível</a:t>
             </a:r>
+            <a:endParaRPr lang="pt-BR"/>
           </a:p>
           <a:p>
             <a:pPr lvl="3"/>
@@ -3376,6 +3364,7 @@
               <a:rPr lang="pt-BR"/>
               <a:t>Quarto nível</a:t>
             </a:r>
+            <a:endParaRPr lang="pt-BR"/>
           </a:p>
           <a:p>
             <a:pPr lvl="4"/>
@@ -3394,7 +3383,7 @@
             <a:spLocks noGrp="1"/>
           </p:cNvSpPr>
           <p:nvPr>
-            <p:ph sz="half" idx="2"/>
+            <p:ph sz="half" idx="2" hasCustomPrompt="1"/>
           </p:nvPr>
         </p:nvSpPr>
         <p:spPr>
@@ -3412,6 +3401,7 @@
               <a:rPr lang="pt-BR"/>
               <a:t>Clique para editar os estilos de texto Mestres</a:t>
             </a:r>
+            <a:endParaRPr lang="pt-BR"/>
           </a:p>
           <a:p>
             <a:pPr lvl="1"/>
@@ -3419,6 +3409,7 @@
               <a:rPr lang="pt-BR"/>
               <a:t>Segundo nível</a:t>
             </a:r>
+            <a:endParaRPr lang="pt-BR"/>
           </a:p>
           <a:p>
             <a:pPr lvl="2"/>
@@ -3426,6 +3417,7 @@
               <a:rPr lang="pt-BR"/>
               <a:t>Terceiro nível</a:t>
             </a:r>
+            <a:endParaRPr lang="pt-BR"/>
           </a:p>
           <a:p>
             <a:pPr lvl="3"/>
@@ -3433,6 +3425,7 @@
               <a:rPr lang="pt-BR"/>
               <a:t>Quarto nível</a:t>
             </a:r>
+            <a:endParaRPr lang="pt-BR"/>
           </a:p>
           <a:p>
             <a:pPr lvl="4"/>
@@ -3461,7 +3454,6 @@
           <a:p>
             <a:fld id="{532F2A02-4C69-4939-83D2-84847015951C}" type="datetimeFigureOut">
               <a:rPr lang="pt-BR" smtClean="0"/>
-              <a:t>23/10/2022</a:t>
             </a:fld>
             <a:endParaRPr lang="pt-BR"/>
           </a:p>
@@ -3503,18 +3495,12 @@
           <a:p>
             <a:fld id="{34E3BEDB-5316-49CE-AA92-CA805357EE90}" type="slidenum">
               <a:rPr lang="pt-BR" smtClean="0"/>
-              <a:t>‹nº›</a:t>
             </a:fld>
             <a:endParaRPr lang="pt-BR"/>
           </a:p>
         </p:txBody>
       </p:sp>
     </p:spTree>
-    <p:extLst>
-      <p:ext uri="{BB962C8B-B14F-4D97-AF65-F5344CB8AC3E}">
-        <p14:creationId xmlns:p14="http://schemas.microsoft.com/office/powerpoint/2010/main" val="2444515600"/>
-      </p:ext>
-    </p:extLst>
   </p:cSld>
   <p:clrMapOvr>
     <a:masterClrMapping/>
@@ -3546,7 +3532,7 @@
             <a:spLocks noGrp="1"/>
           </p:cNvSpPr>
           <p:nvPr>
-            <p:ph type="title"/>
+            <p:ph type="title" hasCustomPrompt="1"/>
           </p:nvPr>
         </p:nvSpPr>
         <p:spPr/>
@@ -3573,7 +3559,7 @@
             <a:spLocks noGrp="1"/>
           </p:cNvSpPr>
           <p:nvPr>
-            <p:ph type="body" idx="1"/>
+            <p:ph type="body" idx="1" hasCustomPrompt="1"/>
           </p:nvPr>
         </p:nvSpPr>
         <p:spPr>
@@ -3630,6 +3616,7 @@
               <a:rPr lang="pt-BR"/>
               <a:t>Clique para editar os estilos de texto Mestres</a:t>
             </a:r>
+            <a:endParaRPr lang="pt-BR"/>
           </a:p>
         </p:txBody>
       </p:sp>
@@ -3640,7 +3627,7 @@
             <a:spLocks noGrp="1"/>
           </p:cNvSpPr>
           <p:nvPr>
-            <p:ph sz="half" idx="2"/>
+            <p:ph sz="half" idx="2" hasCustomPrompt="1"/>
           </p:nvPr>
         </p:nvSpPr>
         <p:spPr>
@@ -3660,6 +3647,7 @@
               <a:rPr lang="pt-BR"/>
               <a:t>Clique para editar os estilos de texto Mestres</a:t>
             </a:r>
+            <a:endParaRPr lang="pt-BR"/>
           </a:p>
           <a:p>
             <a:pPr lvl="1"/>
@@ -3667,6 +3655,7 @@
               <a:rPr lang="pt-BR"/>
               <a:t>Segundo nível</a:t>
             </a:r>
+            <a:endParaRPr lang="pt-BR"/>
           </a:p>
           <a:p>
             <a:pPr lvl="2"/>
@@ -3674,6 +3663,7 @@
               <a:rPr lang="pt-BR"/>
               <a:t>Terceiro nível</a:t>
             </a:r>
+            <a:endParaRPr lang="pt-BR"/>
           </a:p>
           <a:p>
             <a:pPr lvl="3"/>
@@ -3681,6 +3671,7 @@
               <a:rPr lang="pt-BR"/>
               <a:t>Quarto nível</a:t>
             </a:r>
+            <a:endParaRPr lang="pt-BR"/>
           </a:p>
           <a:p>
             <a:pPr lvl="4"/>
@@ -3699,7 +3690,7 @@
             <a:spLocks noGrp="1"/>
           </p:cNvSpPr>
           <p:nvPr>
-            <p:ph type="body" sz="quarter" idx="3"/>
+            <p:ph type="body" sz="quarter" idx="3" hasCustomPrompt="1"/>
           </p:nvPr>
         </p:nvSpPr>
         <p:spPr>
@@ -3756,6 +3747,7 @@
               <a:rPr lang="pt-BR"/>
               <a:t>Clique para editar os estilos de texto Mestres</a:t>
             </a:r>
+            <a:endParaRPr lang="pt-BR"/>
           </a:p>
         </p:txBody>
       </p:sp>
@@ -3766,7 +3758,7 @@
             <a:spLocks noGrp="1"/>
           </p:cNvSpPr>
           <p:nvPr>
-            <p:ph sz="quarter" idx="4"/>
+            <p:ph sz="quarter" idx="4" hasCustomPrompt="1"/>
           </p:nvPr>
         </p:nvSpPr>
         <p:spPr>
@@ -3786,6 +3778,7 @@
               <a:rPr lang="pt-BR"/>
               <a:t>Clique para editar os estilos de texto Mestres</a:t>
             </a:r>
+            <a:endParaRPr lang="pt-BR"/>
           </a:p>
           <a:p>
             <a:pPr lvl="1"/>
@@ -3793,6 +3786,7 @@
               <a:rPr lang="pt-BR"/>
               <a:t>Segundo nível</a:t>
             </a:r>
+            <a:endParaRPr lang="pt-BR"/>
           </a:p>
           <a:p>
             <a:pPr lvl="2"/>
@@ -3800,6 +3794,7 @@
               <a:rPr lang="pt-BR"/>
               <a:t>Terceiro nível</a:t>
             </a:r>
+            <a:endParaRPr lang="pt-BR"/>
           </a:p>
           <a:p>
             <a:pPr lvl="3"/>
@@ -3807,6 +3802,7 @@
               <a:rPr lang="pt-BR"/>
               <a:t>Quarto nível</a:t>
             </a:r>
+            <a:endParaRPr lang="pt-BR"/>
           </a:p>
           <a:p>
             <a:pPr lvl="4"/>
@@ -3835,7 +3831,6 @@
           <a:p>
             <a:fld id="{532F2A02-4C69-4939-83D2-84847015951C}" type="datetimeFigureOut">
               <a:rPr lang="pt-BR" smtClean="0"/>
-              <a:t>23/10/2022</a:t>
             </a:fld>
             <a:endParaRPr lang="pt-BR"/>
           </a:p>
@@ -3877,18 +3872,12 @@
           <a:p>
             <a:fld id="{34E3BEDB-5316-49CE-AA92-CA805357EE90}" type="slidenum">
               <a:rPr lang="pt-BR" smtClean="0"/>
-              <a:t>‹nº›</a:t>
             </a:fld>
             <a:endParaRPr lang="pt-BR"/>
           </a:p>
         </p:txBody>
       </p:sp>
     </p:spTree>
-    <p:extLst>
-      <p:ext uri="{BB962C8B-B14F-4D97-AF65-F5344CB8AC3E}">
-        <p14:creationId xmlns:p14="http://schemas.microsoft.com/office/powerpoint/2010/main" val="3174556814"/>
-      </p:ext>
-    </p:extLst>
   </p:cSld>
   <p:clrMapOvr>
     <a:masterClrMapping/>
@@ -3920,7 +3909,7 @@
             <a:spLocks noGrp="1"/>
           </p:cNvSpPr>
           <p:nvPr>
-            <p:ph type="title"/>
+            <p:ph type="title" hasCustomPrompt="1"/>
           </p:nvPr>
         </p:nvSpPr>
         <p:spPr>
@@ -3958,7 +3947,6 @@
           <a:p>
             <a:fld id="{532F2A02-4C69-4939-83D2-84847015951C}" type="datetimeFigureOut">
               <a:rPr lang="pt-BR" smtClean="0"/>
-              <a:t>23/10/2022</a:t>
             </a:fld>
             <a:endParaRPr lang="pt-BR"/>
           </a:p>
@@ -4000,18 +3988,12 @@
           <a:p>
             <a:fld id="{34E3BEDB-5316-49CE-AA92-CA805357EE90}" type="slidenum">
               <a:rPr lang="pt-BR" smtClean="0"/>
-              <a:t>‹nº›</a:t>
             </a:fld>
             <a:endParaRPr lang="pt-BR"/>
           </a:p>
         </p:txBody>
       </p:sp>
     </p:spTree>
-    <p:extLst>
-      <p:ext uri="{BB962C8B-B14F-4D97-AF65-F5344CB8AC3E}">
-        <p14:creationId xmlns:p14="http://schemas.microsoft.com/office/powerpoint/2010/main" val="937558511"/>
-      </p:ext>
-    </p:extLst>
   </p:cSld>
   <p:clrMapOvr>
     <a:masterClrMapping/>
@@ -4053,7 +4035,6 @@
           <a:p>
             <a:fld id="{532F2A02-4C69-4939-83D2-84847015951C}" type="datetimeFigureOut">
               <a:rPr lang="pt-BR" smtClean="0"/>
-              <a:t>23/10/2022</a:t>
             </a:fld>
             <a:endParaRPr lang="pt-BR"/>
           </a:p>
@@ -4095,18 +4076,12 @@
           <a:p>
             <a:fld id="{34E3BEDB-5316-49CE-AA92-CA805357EE90}" type="slidenum">
               <a:rPr lang="pt-BR" smtClean="0"/>
-              <a:t>‹nº›</a:t>
             </a:fld>
             <a:endParaRPr lang="pt-BR"/>
           </a:p>
         </p:txBody>
       </p:sp>
     </p:spTree>
-    <p:extLst>
-      <p:ext uri="{BB962C8B-B14F-4D97-AF65-F5344CB8AC3E}">
-        <p14:creationId xmlns:p14="http://schemas.microsoft.com/office/powerpoint/2010/main" val="1367359357"/>
-      </p:ext>
-    </p:extLst>
   </p:cSld>
   <p:clrMapOvr>
     <a:masterClrMapping/>
@@ -4138,7 +4113,7 @@
             <a:spLocks noGrp="1"/>
           </p:cNvSpPr>
           <p:nvPr>
-            <p:ph type="title"/>
+            <p:ph type="title" hasCustomPrompt="1"/>
           </p:nvPr>
         </p:nvSpPr>
         <p:spPr>
@@ -4172,7 +4147,7 @@
             <a:spLocks noGrp="1"/>
           </p:cNvSpPr>
           <p:nvPr>
-            <p:ph idx="1"/>
+            <p:ph idx="1" hasCustomPrompt="1"/>
           </p:nvPr>
         </p:nvSpPr>
         <p:spPr>
@@ -4192,6 +4167,7 @@
               <a:rPr lang="pt-BR"/>
               <a:t>Clique para editar os estilos de texto Mestres</a:t>
             </a:r>
+            <a:endParaRPr lang="pt-BR"/>
           </a:p>
           <a:p>
             <a:pPr lvl="1"/>
@@ -4199,6 +4175,7 @@
               <a:rPr lang="pt-BR"/>
               <a:t>Segundo nível</a:t>
             </a:r>
+            <a:endParaRPr lang="pt-BR"/>
           </a:p>
           <a:p>
             <a:pPr lvl="2"/>
@@ -4206,6 +4183,7 @@
               <a:rPr lang="pt-BR"/>
               <a:t>Terceiro nível</a:t>
             </a:r>
+            <a:endParaRPr lang="pt-BR"/>
           </a:p>
           <a:p>
             <a:pPr lvl="3"/>
@@ -4213,6 +4191,7 @@
               <a:rPr lang="pt-BR"/>
               <a:t>Quarto nível</a:t>
             </a:r>
+            <a:endParaRPr lang="pt-BR"/>
           </a:p>
           <a:p>
             <a:pPr lvl="4"/>
@@ -4231,7 +4210,7 @@
             <a:spLocks noGrp="1"/>
           </p:cNvSpPr>
           <p:nvPr>
-            <p:ph type="body" sz="half" idx="2"/>
+            <p:ph type="body" sz="half" idx="2" hasCustomPrompt="1"/>
           </p:nvPr>
         </p:nvSpPr>
         <p:spPr>
@@ -4249,35 +4228,35 @@
               <a:buNone/>
               <a:defRPr sz="1400"/>
             </a:lvl1pPr>
-            <a:lvl2pPr marL="457063" indent="0">
+            <a:lvl2pPr marL="457200" indent="0">
               <a:buNone/>
               <a:defRPr sz="1400"/>
             </a:lvl2pPr>
-            <a:lvl3pPr marL="914126" indent="0">
+            <a:lvl3pPr marL="914400" indent="0">
               <a:buNone/>
               <a:defRPr sz="1200"/>
             </a:lvl3pPr>
-            <a:lvl4pPr marL="1371189" indent="0">
+            <a:lvl4pPr marL="1370965" indent="0">
               <a:buNone/>
               <a:defRPr sz="1000"/>
             </a:lvl4pPr>
-            <a:lvl5pPr marL="1828251" indent="0">
+            <a:lvl5pPr marL="1828165" indent="0">
               <a:buNone/>
               <a:defRPr sz="1000"/>
             </a:lvl5pPr>
-            <a:lvl6pPr marL="2285314" indent="0">
+            <a:lvl6pPr marL="2285365" indent="0">
               <a:buNone/>
               <a:defRPr sz="1000"/>
             </a:lvl6pPr>
-            <a:lvl7pPr marL="2742377" indent="0">
+            <a:lvl7pPr marL="2742565" indent="0">
               <a:buNone/>
               <a:defRPr sz="1000"/>
             </a:lvl7pPr>
-            <a:lvl8pPr marL="3199440" indent="0">
+            <a:lvl8pPr marL="3199130" indent="0">
               <a:buNone/>
               <a:defRPr sz="1000"/>
             </a:lvl8pPr>
-            <a:lvl9pPr marL="3656503" indent="0">
+            <a:lvl9pPr marL="3656330" indent="0">
               <a:buNone/>
               <a:defRPr sz="1000"/>
             </a:lvl9pPr>
@@ -4288,6 +4267,7 @@
               <a:rPr lang="pt-BR"/>
               <a:t>Clique para editar os estilos de texto Mestres</a:t>
             </a:r>
+            <a:endParaRPr lang="pt-BR"/>
           </a:p>
         </p:txBody>
       </p:sp>
@@ -4308,7 +4288,6 @@
           <a:p>
             <a:fld id="{532F2A02-4C69-4939-83D2-84847015951C}" type="datetimeFigureOut">
               <a:rPr lang="pt-BR" smtClean="0"/>
-              <a:t>23/10/2022</a:t>
             </a:fld>
             <a:endParaRPr lang="pt-BR"/>
           </a:p>
@@ -4350,18 +4329,12 @@
           <a:p>
             <a:fld id="{34E3BEDB-5316-49CE-AA92-CA805357EE90}" type="slidenum">
               <a:rPr lang="pt-BR" smtClean="0"/>
-              <a:t>‹nº›</a:t>
             </a:fld>
             <a:endParaRPr lang="pt-BR"/>
           </a:p>
         </p:txBody>
       </p:sp>
     </p:spTree>
-    <p:extLst>
-      <p:ext uri="{BB962C8B-B14F-4D97-AF65-F5344CB8AC3E}">
-        <p14:creationId xmlns:p14="http://schemas.microsoft.com/office/powerpoint/2010/main" val="3417626626"/>
-      </p:ext>
-    </p:extLst>
   </p:cSld>
   <p:clrMapOvr>
     <a:masterClrMapping/>
@@ -4393,7 +4366,7 @@
             <a:spLocks noGrp="1"/>
           </p:cNvSpPr>
           <p:nvPr>
-            <p:ph type="title"/>
+            <p:ph type="title" hasCustomPrompt="1"/>
           </p:nvPr>
         </p:nvSpPr>
         <p:spPr>
@@ -4494,7 +4467,7 @@
             <a:spLocks noGrp="1"/>
           </p:cNvSpPr>
           <p:nvPr>
-            <p:ph type="body" sz="half" idx="2"/>
+            <p:ph type="body" sz="half" idx="2" hasCustomPrompt="1"/>
           </p:nvPr>
         </p:nvSpPr>
         <p:spPr>
@@ -4551,6 +4524,7 @@
               <a:rPr lang="pt-BR"/>
               <a:t>Clique para editar os estilos de texto Mestres</a:t>
             </a:r>
+            <a:endParaRPr lang="pt-BR"/>
           </a:p>
         </p:txBody>
       </p:sp>
@@ -4571,7 +4545,6 @@
           <a:p>
             <a:fld id="{532F2A02-4C69-4939-83D2-84847015951C}" type="datetimeFigureOut">
               <a:rPr lang="pt-BR" smtClean="0"/>
-              <a:t>23/10/2022</a:t>
             </a:fld>
             <a:endParaRPr lang="pt-BR"/>
           </a:p>
@@ -4613,18 +4586,12 @@
           <a:p>
             <a:fld id="{34E3BEDB-5316-49CE-AA92-CA805357EE90}" type="slidenum">
               <a:rPr lang="pt-BR" smtClean="0"/>
-              <a:t>‹nº›</a:t>
             </a:fld>
             <a:endParaRPr lang="pt-BR"/>
           </a:p>
         </p:txBody>
       </p:sp>
     </p:spTree>
-    <p:extLst>
-      <p:ext uri="{BB962C8B-B14F-4D97-AF65-F5344CB8AC3E}">
-        <p14:creationId xmlns:p14="http://schemas.microsoft.com/office/powerpoint/2010/main" val="527949135"/>
-      </p:ext>
-    </p:extLst>
   </p:cSld>
   <p:clrMapOvr>
     <a:masterClrMapping/>
@@ -5247,6 +5214,7 @@
               <a:rPr lang="pt-BR"/>
               <a:t>Clique para editar os estilos de texto Mestres</a:t>
             </a:r>
+            <a:endParaRPr lang="pt-BR"/>
           </a:p>
           <a:p>
             <a:pPr lvl="1"/>
@@ -5254,6 +5222,7 @@
               <a:rPr lang="pt-BR"/>
               <a:t>Segundo nível</a:t>
             </a:r>
+            <a:endParaRPr lang="pt-BR"/>
           </a:p>
           <a:p>
             <a:pPr lvl="2"/>
@@ -5261,6 +5230,7 @@
               <a:rPr lang="pt-BR"/>
               <a:t>Terceiro nível</a:t>
             </a:r>
+            <a:endParaRPr lang="pt-BR"/>
           </a:p>
           <a:p>
             <a:pPr lvl="3"/>
@@ -5268,6 +5238,7 @@
               <a:rPr lang="pt-BR"/>
               <a:t>Quarto nível</a:t>
             </a:r>
+            <a:endParaRPr lang="pt-BR"/>
           </a:p>
           <a:p>
             <a:pPr lvl="4"/>
@@ -5314,7 +5285,6 @@
           <a:p>
             <a:fld id="{532F2A02-4C69-4939-83D2-84847015951C}" type="datetimeFigureOut">
               <a:rPr lang="pt-BR" smtClean="0"/>
-              <a:t>23/10/2022</a:t>
             </a:fld>
             <a:endParaRPr lang="pt-BR"/>
           </a:p>
@@ -5390,37 +5360,31 @@
           <a:p>
             <a:fld id="{34E3BEDB-5316-49CE-AA92-CA805357EE90}" type="slidenum">
               <a:rPr lang="pt-BR" smtClean="0"/>
-              <a:t>‹nº›</a:t>
             </a:fld>
             <a:endParaRPr lang="pt-BR"/>
           </a:p>
         </p:txBody>
       </p:sp>
     </p:spTree>
-    <p:extLst>
-      <p:ext uri="{BB962C8B-B14F-4D97-AF65-F5344CB8AC3E}">
-        <p14:creationId xmlns:p14="http://schemas.microsoft.com/office/powerpoint/2010/main" val="1785149086"/>
-      </p:ext>
-    </p:extLst>
   </p:cSld>
   <p:clrMap bg1="lt1" tx1="dk1" bg2="lt2" tx2="dk2" accent1="accent1" accent2="accent2" accent3="accent3" accent4="accent4" accent5="accent5" accent6="accent6" hlink="hlink" folHlink="folHlink"/>
   <p:sldLayoutIdLst>
-    <p:sldLayoutId id="2147483713" r:id="rId1"/>
-    <p:sldLayoutId id="2147483714" r:id="rId2"/>
-    <p:sldLayoutId id="2147483715" r:id="rId3"/>
-    <p:sldLayoutId id="2147483716" r:id="rId4"/>
-    <p:sldLayoutId id="2147483717" r:id="rId5"/>
-    <p:sldLayoutId id="2147483718" r:id="rId6"/>
-    <p:sldLayoutId id="2147483719" r:id="rId7"/>
-    <p:sldLayoutId id="2147483720" r:id="rId8"/>
-    <p:sldLayoutId id="2147483721" r:id="rId9"/>
-    <p:sldLayoutId id="2147483722" r:id="rId10"/>
-    <p:sldLayoutId id="2147483723" r:id="rId11"/>
-    <p:sldLayoutId id="2147483724" r:id="rId12"/>
-    <p:sldLayoutId id="2147483725" r:id="rId13"/>
-    <p:sldLayoutId id="2147483726" r:id="rId14"/>
-    <p:sldLayoutId id="2147483727" r:id="rId15"/>
-    <p:sldLayoutId id="2147483728" r:id="rId16"/>
+    <p:sldLayoutId id="2147483649" r:id="rId1"/>
+    <p:sldLayoutId id="2147483650" r:id="rId2"/>
+    <p:sldLayoutId id="2147483651" r:id="rId3"/>
+    <p:sldLayoutId id="2147483652" r:id="rId4"/>
+    <p:sldLayoutId id="2147483653" r:id="rId5"/>
+    <p:sldLayoutId id="2147483654" r:id="rId6"/>
+    <p:sldLayoutId id="2147483655" r:id="rId7"/>
+    <p:sldLayoutId id="2147483656" r:id="rId8"/>
+    <p:sldLayoutId id="2147483657" r:id="rId9"/>
+    <p:sldLayoutId id="2147483658" r:id="rId10"/>
+    <p:sldLayoutId id="2147483659" r:id="rId11"/>
+    <p:sldLayoutId id="2147483660" r:id="rId12"/>
+    <p:sldLayoutId id="2147483661" r:id="rId13"/>
+    <p:sldLayoutId id="2147483662" r:id="rId14"/>
+    <p:sldLayoutId id="2147483663" r:id="rId15"/>
+    <p:sldLayoutId id="2147483664" r:id="rId16"/>
   </p:sldLayoutIdLst>
   <p:txStyles>
     <p:titleStyle>
@@ -5507,7 +5471,7 @@
           <a:schemeClr val="accent1"/>
         </a:buClr>
         <a:buSzPct val="80000"/>
-        <a:buFont typeface="Wingdings 3" charset="2"/>
+        <a:buFont typeface="Wingdings 3" panose="05040102010807070707" charset="2"/>
         <a:buChar char=""/>
         <a:defRPr sz="1800" kern="1200">
           <a:solidFill>
@@ -5532,7 +5496,7 @@
           <a:schemeClr val="accent1"/>
         </a:buClr>
         <a:buSzPct val="80000"/>
-        <a:buFont typeface="Wingdings 3" charset="2"/>
+        <a:buFont typeface="Wingdings 3" panose="05040102010807070707" charset="2"/>
         <a:buChar char=""/>
         <a:defRPr sz="1600" kern="1200">
           <a:solidFill>
@@ -5557,7 +5521,7 @@
           <a:schemeClr val="accent1"/>
         </a:buClr>
         <a:buSzPct val="80000"/>
-        <a:buFont typeface="Wingdings 3" charset="2"/>
+        <a:buFont typeface="Wingdings 3" panose="05040102010807070707" charset="2"/>
         <a:buChar char=""/>
         <a:defRPr sz="1400" kern="1200">
           <a:solidFill>
@@ -5582,7 +5546,7 @@
           <a:schemeClr val="accent1"/>
         </a:buClr>
         <a:buSzPct val="80000"/>
-        <a:buFont typeface="Wingdings 3" charset="2"/>
+        <a:buFont typeface="Wingdings 3" panose="05040102010807070707" charset="2"/>
         <a:buChar char=""/>
         <a:defRPr sz="1200" kern="1200">
           <a:solidFill>
@@ -5607,7 +5571,7 @@
           <a:schemeClr val="accent1"/>
         </a:buClr>
         <a:buSzPct val="80000"/>
-        <a:buFont typeface="Wingdings 3" charset="2"/>
+        <a:buFont typeface="Wingdings 3" panose="05040102010807070707" charset="2"/>
         <a:buChar char=""/>
         <a:defRPr sz="1200" kern="1200">
           <a:solidFill>
@@ -5632,7 +5596,7 @@
           <a:schemeClr val="accent1"/>
         </a:buClr>
         <a:buSzPct val="80000"/>
-        <a:buFont typeface="Wingdings 3" charset="2"/>
+        <a:buFont typeface="Wingdings 3" panose="05040102010807070707" charset="2"/>
         <a:buChar char=""/>
         <a:defRPr sz="1200" kern="1200">
           <a:solidFill>
@@ -5657,7 +5621,7 @@
           <a:schemeClr val="accent1"/>
         </a:buClr>
         <a:buSzPct val="80000"/>
-        <a:buFont typeface="Wingdings 3" charset="2"/>
+        <a:buFont typeface="Wingdings 3" panose="05040102010807070707" charset="2"/>
         <a:buChar char=""/>
         <a:defRPr sz="1200" kern="1200">
           <a:solidFill>
@@ -5682,7 +5646,7 @@
           <a:schemeClr val="accent1"/>
         </a:buClr>
         <a:buSzPct val="80000"/>
-        <a:buFont typeface="Wingdings 3" charset="2"/>
+        <a:buFont typeface="Wingdings 3" panose="05040102010807070707" charset="2"/>
         <a:buChar char=""/>
         <a:defRPr sz="1200" kern="1200">
           <a:solidFill>
@@ -5707,7 +5671,7 @@
           <a:schemeClr val="accent1"/>
         </a:buClr>
         <a:buSzPct val="80000"/>
-        <a:buFont typeface="Wingdings 3" charset="2"/>
+        <a:buFont typeface="Wingdings 3" panose="05040102010807070707" charset="2"/>
         <a:buChar char=""/>
         <a:defRPr sz="1200" kern="1200">
           <a:solidFill>
@@ -5840,13 +5804,7 @@
       </p:grpSpPr>
       <p:sp>
         <p:nvSpPr>
-          <p:cNvPr id="2" name="Título 1">
-            <a:extLst>
-              <a:ext uri="{FF2B5EF4-FFF2-40B4-BE49-F238E27FC236}">
-                <a16:creationId xmlns:a16="http://schemas.microsoft.com/office/drawing/2014/main" id="{27042672-F61E-5502-48C1-5A8E1C1579D4}"/>
-              </a:ext>
-            </a:extLst>
-          </p:cNvPr>
+          <p:cNvPr id="2" name="Título 1"/>
           <p:cNvSpPr>
             <a:spLocks noGrp="1"/>
           </p:cNvSpPr>
@@ -5877,20 +5835,14 @@
       </p:sp>
       <p:pic>
         <p:nvPicPr>
-          <p:cNvPr id="5" name="Imagem 4">
-            <a:extLst>
-              <a:ext uri="{FF2B5EF4-FFF2-40B4-BE49-F238E27FC236}">
-                <a16:creationId xmlns:a16="http://schemas.microsoft.com/office/drawing/2014/main" id="{3B051317-D383-A3F0-9904-B2D9770DB2EB}"/>
-              </a:ext>
-            </a:extLst>
-          </p:cNvPr>
+          <p:cNvPr id="5" name="Imagem 4"/>
           <p:cNvPicPr>
             <a:picLocks noChangeAspect="1"/>
           </p:cNvPicPr>
           <p:nvPr/>
         </p:nvPicPr>
         <p:blipFill>
-          <a:blip r:embed="rId2">
+          <a:blip r:embed="rId1">
             <a:extLst>
               <a:ext uri="{28A0092B-C50C-407E-A947-70E740481C1C}">
                 <a14:useLocalDpi xmlns:a14="http://schemas.microsoft.com/office/drawing/2010/main" val="0"/>
@@ -5912,11 +5864,6 @@
         </p:spPr>
       </p:pic>
     </p:spTree>
-    <p:extLst>
-      <p:ext uri="{BB962C8B-B14F-4D97-AF65-F5344CB8AC3E}">
-        <p14:creationId xmlns:p14="http://schemas.microsoft.com/office/powerpoint/2010/main" val="2464984604"/>
-      </p:ext>
-    </p:extLst>
   </p:cSld>
   <p:clrMapOvr>
     <a:masterClrMapping/>
@@ -5943,13 +5890,7 @@
       </p:grpSpPr>
       <p:sp>
         <p:nvSpPr>
-          <p:cNvPr id="2" name="Título 1">
-            <a:extLst>
-              <a:ext uri="{FF2B5EF4-FFF2-40B4-BE49-F238E27FC236}">
-                <a16:creationId xmlns:a16="http://schemas.microsoft.com/office/drawing/2014/main" id="{CFDA7A5B-4FB6-C6B4-7105-58A2ADED0723}"/>
-              </a:ext>
-            </a:extLst>
-          </p:cNvPr>
+          <p:cNvPr id="2" name="Título 1"/>
           <p:cNvSpPr>
             <a:spLocks noGrp="1"/>
           </p:cNvSpPr>
@@ -5966,18 +5907,13 @@
               <a:rPr lang="pt-BR" dirty="0"/>
               <a:t>RPA</a:t>
             </a:r>
-          </a:p>
-        </p:txBody>
-      </p:sp>
-      <p:sp>
-        <p:nvSpPr>
-          <p:cNvPr id="3" name="Espaço Reservado para Conteúdo 2">
-            <a:extLst>
-              <a:ext uri="{FF2B5EF4-FFF2-40B4-BE49-F238E27FC236}">
-                <a16:creationId xmlns:a16="http://schemas.microsoft.com/office/drawing/2014/main" id="{114CAA83-9090-A05E-D38D-8421D044A489}"/>
-              </a:ext>
-            </a:extLst>
-          </p:cNvPr>
+            <a:endParaRPr lang="pt-BR" dirty="0"/>
+          </a:p>
+        </p:txBody>
+      </p:sp>
+      <p:sp>
+        <p:nvSpPr>
+          <p:cNvPr id="3" name="Espaço Reservado para Conteúdo 2"/>
           <p:cNvSpPr>
             <a:spLocks noGrp="1"/>
           </p:cNvSpPr>
@@ -5991,16 +5927,37 @@
           <a:lstStyle/>
           <a:p>
             <a:pPr algn="l"/>
-            <a:endParaRPr lang="pt-BR" dirty="0"/>
+            <a:r>
+              <a:rPr lang="pt-BR" sz="1800" dirty="0">
+                <a:latin typeface="Trebuchet MS" panose="020B0603020202020204" charset="0"/>
+                <a:cs typeface="Trebuchet MS" panose="020B0603020202020204" charset="0"/>
+              </a:rPr>
+              <a:t>Robotic Process Automation (RPA) é uma tecnologia que utiliza robôs de software para a realização de tarefas rotineiras e repetitivas, de maneira automatizada. Uma parte das ofertas de automação do mercado se baseiam em robôs simples, porém a IBM desenvolve automação inteligente, robôs com capacidade de receber insights de inteligência artificial.</a:t>
+            </a:r>
+            <a:endParaRPr lang="pt-BR" sz="1800" dirty="0">
+              <a:latin typeface="Trebuchet MS" panose="020B0603020202020204" charset="0"/>
+              <a:cs typeface="Trebuchet MS" panose="020B0603020202020204" charset="0"/>
+            </a:endParaRPr>
+          </a:p>
+          <a:p>
+            <a:pPr marL="3657600" lvl="8" indent="0" algn="l">
+              <a:buNone/>
+            </a:pPr>
+            <a:r>
+              <a:rPr lang="en-US" altLang="pt-BR" sz="1800" dirty="0">
+                <a:latin typeface="Trebuchet MS" panose="020B0603020202020204" charset="0"/>
+                <a:cs typeface="Trebuchet MS" panose="020B0603020202020204" charset="0"/>
+              </a:rPr>
+              <a:t>		https://www.ibm.com/</a:t>
+            </a:r>
+            <a:endParaRPr lang="en-US" altLang="pt-BR" sz="1800" dirty="0">
+              <a:latin typeface="Trebuchet MS" panose="020B0603020202020204" charset="0"/>
+              <a:cs typeface="Trebuchet MS" panose="020B0603020202020204" charset="0"/>
+            </a:endParaRPr>
           </a:p>
         </p:txBody>
       </p:sp>
     </p:spTree>
-    <p:extLst>
-      <p:ext uri="{BB962C8B-B14F-4D97-AF65-F5344CB8AC3E}">
-        <p14:creationId xmlns:p14="http://schemas.microsoft.com/office/powerpoint/2010/main" val="2358241928"/>
-      </p:ext>
-    </p:extLst>
   </p:cSld>
   <p:clrMapOvr>
     <a:masterClrMapping/>
@@ -6027,13 +5984,7 @@
       </p:grpSpPr>
       <p:sp>
         <p:nvSpPr>
-          <p:cNvPr id="2" name="Título 1">
-            <a:extLst>
-              <a:ext uri="{FF2B5EF4-FFF2-40B4-BE49-F238E27FC236}">
-                <a16:creationId xmlns:a16="http://schemas.microsoft.com/office/drawing/2014/main" id="{9D00E199-3430-21A9-1CE7-02F1804D01DC}"/>
-              </a:ext>
-            </a:extLst>
-          </p:cNvPr>
+          <p:cNvPr id="2" name="Título 1"/>
           <p:cNvSpPr>
             <a:spLocks noGrp="1"/>
           </p:cNvSpPr>
@@ -6051,18 +6002,13 @@
               <a:rPr lang="pt-BR" dirty="0"/>
               <a:t>Sumario</a:t>
             </a:r>
-          </a:p>
-        </p:txBody>
-      </p:sp>
-      <p:sp>
-        <p:nvSpPr>
-          <p:cNvPr id="3" name="Espaço Reservado para Conteúdo 2">
-            <a:extLst>
-              <a:ext uri="{FF2B5EF4-FFF2-40B4-BE49-F238E27FC236}">
-                <a16:creationId xmlns:a16="http://schemas.microsoft.com/office/drawing/2014/main" id="{ADD76A5E-3573-11B4-EFDB-C043A6CA5ED4}"/>
-              </a:ext>
-            </a:extLst>
-          </p:cNvPr>
+            <a:endParaRPr lang="pt-BR" dirty="0"/>
+          </a:p>
+        </p:txBody>
+      </p:sp>
+      <p:sp>
+        <p:nvSpPr>
+          <p:cNvPr id="3" name="Espaço Reservado para Conteúdo 2"/>
           <p:cNvSpPr>
             <a:spLocks noGrp="1"/>
           </p:cNvSpPr>
@@ -6084,39 +6030,39 @@
               <a:rPr lang="pt-BR" dirty="0"/>
               <a:t>Classe -&gt; Objetos -&gt; Métodos</a:t>
             </a:r>
+            <a:endParaRPr lang="pt-BR" dirty="0"/>
           </a:p>
           <a:p>
             <a:r>
               <a:rPr lang="pt-BR" dirty="0"/>
               <a:t>Banco de Dados</a:t>
             </a:r>
+            <a:endParaRPr lang="pt-BR" dirty="0"/>
           </a:p>
           <a:p>
             <a:r>
               <a:rPr lang="pt-BR" dirty="0"/>
               <a:t>APIs</a:t>
             </a:r>
-          </a:p>
-          <a:p>
-            <a:r>
-              <a:rPr lang="pt-BR" dirty="0"/>
-              <a:t>Excel</a:t>
-            </a:r>
+            <a:endParaRPr lang="pt-BR" dirty="0"/>
+          </a:p>
+          <a:p>
+            <a:r>
+              <a:rPr lang="en-US" altLang="pt-BR" dirty="0"/>
+              <a:t>Planilhas</a:t>
+            </a:r>
+            <a:endParaRPr lang="pt-BR" dirty="0"/>
           </a:p>
           <a:p>
             <a:r>
               <a:rPr lang="pt-BR" dirty="0"/>
               <a:t>RPA</a:t>
             </a:r>
+            <a:endParaRPr lang="pt-BR" dirty="0"/>
           </a:p>
         </p:txBody>
       </p:sp>
     </p:spTree>
-    <p:extLst>
-      <p:ext uri="{BB962C8B-B14F-4D97-AF65-F5344CB8AC3E}">
-        <p14:creationId xmlns:p14="http://schemas.microsoft.com/office/powerpoint/2010/main" val="946701490"/>
-      </p:ext>
-    </p:extLst>
   </p:cSld>
   <p:clrMapOvr>
     <a:masterClrMapping/>
@@ -6143,13 +6089,7 @@
       </p:grpSpPr>
       <p:sp>
         <p:nvSpPr>
-          <p:cNvPr id="2" name="Título 1">
-            <a:extLst>
-              <a:ext uri="{FF2B5EF4-FFF2-40B4-BE49-F238E27FC236}">
-                <a16:creationId xmlns:a16="http://schemas.microsoft.com/office/drawing/2014/main" id="{CFDA7A5B-4FB6-C6B4-7105-58A2ADED0723}"/>
-              </a:ext>
-            </a:extLst>
-          </p:cNvPr>
+          <p:cNvPr id="2" name="Título 1"/>
           <p:cNvSpPr>
             <a:spLocks noGrp="1"/>
           </p:cNvSpPr>
@@ -6166,18 +6106,13 @@
               <a:rPr lang="pt-BR" dirty="0"/>
               <a:t>Classe</a:t>
             </a:r>
-          </a:p>
-        </p:txBody>
-      </p:sp>
-      <p:sp>
-        <p:nvSpPr>
-          <p:cNvPr id="3" name="Espaço Reservado para Conteúdo 2">
-            <a:extLst>
-              <a:ext uri="{FF2B5EF4-FFF2-40B4-BE49-F238E27FC236}">
-                <a16:creationId xmlns:a16="http://schemas.microsoft.com/office/drawing/2014/main" id="{114CAA83-9090-A05E-D38D-8421D044A489}"/>
-              </a:ext>
-            </a:extLst>
-          </p:cNvPr>
+            <a:endParaRPr lang="pt-BR" dirty="0"/>
+          </a:p>
+        </p:txBody>
+      </p:sp>
+      <p:sp>
+        <p:nvSpPr>
+          <p:cNvPr id="3" name="Espaço Reservado para Conteúdo 2"/>
           <p:cNvSpPr>
             <a:spLocks noGrp="1"/>
           </p:cNvSpPr>
@@ -6197,7 +6132,8 @@
                   <a:srgbClr val="253A44"/>
                 </a:solidFill>
                 <a:effectLst/>
-                <a:latin typeface="Source Serif Pro" panose="020B0604020202020204" pitchFamily="18" charset="0"/>
+                <a:latin typeface="Trebuchet MS" panose="020B0603020202020204" charset="0"/>
+                <a:cs typeface="Trebuchet MS" panose="020B0603020202020204" charset="0"/>
               </a:rPr>
               <a:t>Uma classe é uma forma de definir um tipo de dado em uma </a:t>
             </a:r>
@@ -6207,7 +6143,8 @@
                   <a:srgbClr val="253A44"/>
                 </a:solidFill>
                 <a:effectLst/>
-                <a:latin typeface="Source Serif Pro" panose="020B0604020202020204" pitchFamily="18" charset="0"/>
+                <a:latin typeface="Trebuchet MS" panose="020B0603020202020204" charset="0"/>
+                <a:cs typeface="Trebuchet MS" panose="020B0603020202020204" charset="0"/>
               </a:rPr>
               <a:t>linguagem orientada a objeto</a:t>
             </a:r>
@@ -6217,10 +6154,19 @@
                   <a:srgbClr val="253A44"/>
                 </a:solidFill>
                 <a:effectLst/>
-                <a:latin typeface="Source Serif Pro" panose="020B0604020202020204" pitchFamily="18" charset="0"/>
+                <a:latin typeface="Trebuchet MS" panose="020B0603020202020204" charset="0"/>
+                <a:cs typeface="Trebuchet MS" panose="020B0603020202020204" charset="0"/>
               </a:rPr>
               <a:t>. Ela é formada por dados e comportamentos.</a:t>
             </a:r>
+            <a:endParaRPr lang="pt-BR" b="0" i="0" dirty="0">
+              <a:solidFill>
+                <a:srgbClr val="253A44"/>
+              </a:solidFill>
+              <a:effectLst/>
+              <a:latin typeface="Trebuchet MS" panose="020B0603020202020204" charset="0"/>
+              <a:cs typeface="Trebuchet MS" panose="020B0603020202020204" charset="0"/>
+            </a:endParaRPr>
           </a:p>
           <a:p>
             <a:pPr algn="l"/>
@@ -6230,28 +6176,39 @@
                   <a:srgbClr val="253A44"/>
                 </a:solidFill>
                 <a:effectLst/>
-                <a:latin typeface="Source Serif Pro" panose="020B0604020202020204" pitchFamily="18" charset="0"/>
+                <a:latin typeface="Trebuchet MS" panose="020B0603020202020204" charset="0"/>
+                <a:cs typeface="Trebuchet MS" panose="020B0603020202020204" charset="0"/>
               </a:rPr>
               <a:t>Para definir os dados são utilizados os atributos, e para definir o comportamento são utilizados métodos. Depois que uma classe é definida podem ser criados diferentes objetos que utilizam a classe.</a:t>
             </a:r>
+            <a:endParaRPr lang="pt-BR" b="0" i="0" dirty="0">
+              <a:solidFill>
+                <a:srgbClr val="253A44"/>
+              </a:solidFill>
+              <a:effectLst/>
+              <a:latin typeface="Trebuchet MS" panose="020B0603020202020204" charset="0"/>
+              <a:cs typeface="Trebuchet MS" panose="020B0603020202020204" charset="0"/>
+            </a:endParaRPr>
           </a:p>
           <a:p>
             <a:pPr marL="3657600" lvl="8" indent="0">
               <a:buNone/>
             </a:pPr>
             <a:r>
-              <a:rPr lang="pt-BR" dirty="0"/>
+              <a:rPr lang="pt-BR" dirty="0">
+                <a:latin typeface="Trebuchet MS" panose="020B0603020202020204" charset="0"/>
+                <a:cs typeface="Trebuchet MS" panose="020B0603020202020204" charset="0"/>
+              </a:rPr>
               <a:t>	                                    https://www.devmedia.com.br/</a:t>
             </a:r>
+            <a:endParaRPr lang="pt-BR" dirty="0">
+              <a:latin typeface="Trebuchet MS" panose="020B0603020202020204" charset="0"/>
+              <a:cs typeface="Trebuchet MS" panose="020B0603020202020204" charset="0"/>
+            </a:endParaRPr>
           </a:p>
         </p:txBody>
       </p:sp>
     </p:spTree>
-    <p:extLst>
-      <p:ext uri="{BB962C8B-B14F-4D97-AF65-F5344CB8AC3E}">
-        <p14:creationId xmlns:p14="http://schemas.microsoft.com/office/powerpoint/2010/main" val="3378471660"/>
-      </p:ext>
-    </p:extLst>
   </p:cSld>
   <p:clrMapOvr>
     <a:masterClrMapping/>
@@ -6278,13 +6235,7 @@
       </p:grpSpPr>
       <p:sp>
         <p:nvSpPr>
-          <p:cNvPr id="2" name="Título 1">
-            <a:extLst>
-              <a:ext uri="{FF2B5EF4-FFF2-40B4-BE49-F238E27FC236}">
-                <a16:creationId xmlns:a16="http://schemas.microsoft.com/office/drawing/2014/main" id="{CFDA7A5B-4FB6-C6B4-7105-58A2ADED0723}"/>
-              </a:ext>
-            </a:extLst>
-          </p:cNvPr>
+          <p:cNvPr id="2" name="Título 1"/>
           <p:cNvSpPr>
             <a:spLocks noGrp="1"/>
           </p:cNvSpPr>
@@ -6301,18 +6252,13 @@
               <a:rPr lang="pt-BR" dirty="0"/>
               <a:t>Objeto</a:t>
             </a:r>
-          </a:p>
-        </p:txBody>
-      </p:sp>
-      <p:sp>
-        <p:nvSpPr>
-          <p:cNvPr id="3" name="Espaço Reservado para Conteúdo 2">
-            <a:extLst>
-              <a:ext uri="{FF2B5EF4-FFF2-40B4-BE49-F238E27FC236}">
-                <a16:creationId xmlns:a16="http://schemas.microsoft.com/office/drawing/2014/main" id="{114CAA83-9090-A05E-D38D-8421D044A489}"/>
-              </a:ext>
-            </a:extLst>
-          </p:cNvPr>
+            <a:endParaRPr lang="pt-BR" dirty="0"/>
+          </a:p>
+        </p:txBody>
+      </p:sp>
+      <p:sp>
+        <p:nvSpPr>
+          <p:cNvPr id="3" name="Espaço Reservado para Conteúdo 2"/>
           <p:cNvSpPr>
             <a:spLocks noGrp="1"/>
           </p:cNvSpPr>
@@ -6332,7 +6278,8 @@
                   <a:srgbClr val="000000"/>
                 </a:solidFill>
                 <a:effectLst/>
-                <a:latin typeface="Times New Roman" panose="02020603050405020304" pitchFamily="18" charset="0"/>
+                <a:latin typeface="Trebuchet MS" panose="020B0603020202020204" charset="0"/>
+                <a:cs typeface="Trebuchet MS" panose="020B0603020202020204" charset="0"/>
               </a:rPr>
               <a:t>Um </a:t>
             </a:r>
@@ -6342,7 +6289,8 @@
                   <a:srgbClr val="000000"/>
                 </a:solidFill>
                 <a:effectLst/>
-                <a:latin typeface="Times New Roman" panose="02020603050405020304" pitchFamily="18" charset="0"/>
+                <a:latin typeface="Trebuchet MS" panose="020B0603020202020204" charset="0"/>
+                <a:cs typeface="Trebuchet MS" panose="020B0603020202020204" charset="0"/>
               </a:rPr>
               <a:t>objeto</a:t>
             </a:r>
@@ -6352,7 +6300,8 @@
                   <a:srgbClr val="000000"/>
                 </a:solidFill>
                 <a:effectLst/>
-                <a:latin typeface="Times New Roman" panose="02020603050405020304" pitchFamily="18" charset="0"/>
+                <a:latin typeface="Trebuchet MS" panose="020B0603020202020204" charset="0"/>
+                <a:cs typeface="Trebuchet MS" panose="020B0603020202020204" charset="0"/>
               </a:rPr>
               <a:t> é um elemento computacional que representa, no domínio da solução, alguma entidade (abstrata ou concreta) do domínio de interesse do problema sob análise. Objetos similares são agrupados em </a:t>
             </a:r>
@@ -6362,8 +6311,9 @@
                   <a:srgbClr val="0000FF"/>
                 </a:solidFill>
                 <a:effectLst/>
-                <a:latin typeface="Times New Roman" panose="02020603050405020304" pitchFamily="18" charset="0"/>
-                <a:hlinkClick r:id="rId2"/>
+                <a:latin typeface="Trebuchet MS" panose="020B0603020202020204" charset="0"/>
+                <a:cs typeface="Trebuchet MS" panose="020B0603020202020204" charset="0"/>
+                <a:hlinkClick r:id="rId1"/>
               </a:rPr>
               <a:t>classes</a:t>
             </a:r>
@@ -6373,23 +6323,26 @@
                   <a:srgbClr val="000000"/>
                 </a:solidFill>
                 <a:effectLst/>
-                <a:latin typeface="Times New Roman" panose="02020603050405020304" pitchFamily="18" charset="0"/>
+                <a:latin typeface="Trebuchet MS" panose="020B0603020202020204" charset="0"/>
+                <a:cs typeface="Trebuchet MS" panose="020B0603020202020204" charset="0"/>
               </a:rPr>
               <a:t>.</a:t>
             </a:r>
             <a:r>
-              <a:rPr lang="pt-BR" dirty="0"/>
+              <a:rPr lang="pt-BR" dirty="0">
+                <a:latin typeface="Trebuchet MS" panose="020B0603020202020204" charset="0"/>
+                <a:cs typeface="Trebuchet MS" panose="020B0603020202020204" charset="0"/>
+              </a:rPr>
               <a:t>	                                    												www.dca.fee.unicamp.br</a:t>
             </a:r>
+            <a:endParaRPr lang="pt-BR" dirty="0">
+              <a:latin typeface="Trebuchet MS" panose="020B0603020202020204" charset="0"/>
+              <a:cs typeface="Trebuchet MS" panose="020B0603020202020204" charset="0"/>
+            </a:endParaRPr>
           </a:p>
         </p:txBody>
       </p:sp>
     </p:spTree>
-    <p:extLst>
-      <p:ext uri="{BB962C8B-B14F-4D97-AF65-F5344CB8AC3E}">
-        <p14:creationId xmlns:p14="http://schemas.microsoft.com/office/powerpoint/2010/main" val="1283118831"/>
-      </p:ext>
-    </p:extLst>
   </p:cSld>
   <p:clrMapOvr>
     <a:masterClrMapping/>
@@ -6416,13 +6369,7 @@
       </p:grpSpPr>
       <p:sp>
         <p:nvSpPr>
-          <p:cNvPr id="2" name="Título 1">
-            <a:extLst>
-              <a:ext uri="{FF2B5EF4-FFF2-40B4-BE49-F238E27FC236}">
-                <a16:creationId xmlns:a16="http://schemas.microsoft.com/office/drawing/2014/main" id="{CFDA7A5B-4FB6-C6B4-7105-58A2ADED0723}"/>
-              </a:ext>
-            </a:extLst>
-          </p:cNvPr>
+          <p:cNvPr id="2" name="Título 1"/>
           <p:cNvSpPr>
             <a:spLocks noGrp="1"/>
           </p:cNvSpPr>
@@ -6445,13 +6392,7 @@
       </p:sp>
       <p:sp>
         <p:nvSpPr>
-          <p:cNvPr id="3" name="Espaço Reservado para Conteúdo 2">
-            <a:extLst>
-              <a:ext uri="{FF2B5EF4-FFF2-40B4-BE49-F238E27FC236}">
-                <a16:creationId xmlns:a16="http://schemas.microsoft.com/office/drawing/2014/main" id="{114CAA83-9090-A05E-D38D-8421D044A489}"/>
-              </a:ext>
-            </a:extLst>
-          </p:cNvPr>
+          <p:cNvPr id="3" name="Espaço Reservado para Conteúdo 2"/>
           <p:cNvSpPr>
             <a:spLocks noGrp="1"/>
           </p:cNvSpPr>
@@ -6471,7 +6412,8 @@
                   <a:srgbClr val="202122"/>
                 </a:solidFill>
                 <a:effectLst/>
-                <a:latin typeface="Arial" panose="020B0604020202020204" pitchFamily="34" charset="0"/>
+                <a:latin typeface="Trebuchet MS" panose="020B0603020202020204" charset="0"/>
+                <a:cs typeface="Trebuchet MS" panose="020B0603020202020204" charset="0"/>
               </a:rPr>
               <a:t>Os métodos determinam o comportamento dos objetos de uma </a:t>
             </a:r>
@@ -6481,8 +6423,9 @@
                   <a:srgbClr val="3366CC"/>
                 </a:solidFill>
                 <a:effectLst/>
-                <a:latin typeface="Arial" panose="020B0604020202020204" pitchFamily="34" charset="0"/>
-                <a:hlinkClick r:id="rId2" tooltip="Classe (programação)"/>
+                <a:latin typeface="Trebuchet MS" panose="020B0603020202020204" charset="0"/>
+                <a:cs typeface="Trebuchet MS" panose="020B0603020202020204" charset="0"/>
+                <a:hlinkClick r:id="rId1" tooltip="Classe (programação)"/>
               </a:rPr>
               <a:t>classe</a:t>
             </a:r>
@@ -6492,7 +6435,8 @@
                   <a:srgbClr val="202122"/>
                 </a:solidFill>
                 <a:effectLst/>
-                <a:latin typeface="Arial" panose="020B0604020202020204" pitchFamily="34" charset="0"/>
+                <a:latin typeface="Trebuchet MS" panose="020B0603020202020204" charset="0"/>
+                <a:cs typeface="Trebuchet MS" panose="020B0603020202020204" charset="0"/>
               </a:rPr>
               <a:t> e são análogos às </a:t>
             </a:r>
@@ -6502,8 +6446,9 @@
                   <a:srgbClr val="3366CC"/>
                 </a:solidFill>
                 <a:effectLst/>
-                <a:latin typeface="Arial" panose="020B0604020202020204" pitchFamily="34" charset="0"/>
-                <a:hlinkClick r:id="rId3" tooltip="Sub-rotina"/>
+                <a:latin typeface="Trebuchet MS" panose="020B0603020202020204" charset="0"/>
+                <a:cs typeface="Trebuchet MS" panose="020B0603020202020204" charset="0"/>
+                <a:hlinkClick r:id="rId2" tooltip="Sub-rotina"/>
               </a:rPr>
               <a:t>funções</a:t>
             </a:r>
@@ -6513,7 +6458,8 @@
                   <a:srgbClr val="202122"/>
                 </a:solidFill>
                 <a:effectLst/>
-                <a:latin typeface="Arial" panose="020B0604020202020204" pitchFamily="34" charset="0"/>
+                <a:latin typeface="Trebuchet MS" panose="020B0603020202020204" charset="0"/>
+                <a:cs typeface="Trebuchet MS" panose="020B0603020202020204" charset="0"/>
               </a:rPr>
               <a:t> ou procedimentos da </a:t>
             </a:r>
@@ -6523,8 +6469,9 @@
                   <a:srgbClr val="3366CC"/>
                 </a:solidFill>
                 <a:effectLst/>
-                <a:latin typeface="Arial" panose="020B0604020202020204" pitchFamily="34" charset="0"/>
-                <a:hlinkClick r:id="rId4" tooltip="Programação estruturada"/>
+                <a:latin typeface="Trebuchet MS" panose="020B0603020202020204" charset="0"/>
+                <a:cs typeface="Trebuchet MS" panose="020B0603020202020204" charset="0"/>
+                <a:hlinkClick r:id="rId3" tooltip="Programação estruturada"/>
               </a:rPr>
               <a:t>programação estruturada</a:t>
             </a:r>
@@ -6534,23 +6481,26 @@
                   <a:srgbClr val="202122"/>
                 </a:solidFill>
                 <a:effectLst/>
-                <a:latin typeface="Arial" panose="020B0604020202020204" pitchFamily="34" charset="0"/>
+                <a:latin typeface="Trebuchet MS" panose="020B0603020202020204" charset="0"/>
+                <a:cs typeface="Trebuchet MS" panose="020B0603020202020204" charset="0"/>
               </a:rPr>
               <a:t>. O envio de mensagens (chamada de métodos) pode alterar o estado de um objeto.</a:t>
             </a:r>
             <a:r>
-              <a:rPr lang="pt-BR" dirty="0"/>
+              <a:rPr lang="pt-BR" dirty="0">
+                <a:latin typeface="Trebuchet MS" panose="020B0603020202020204" charset="0"/>
+                <a:cs typeface="Trebuchet MS" panose="020B0603020202020204" charset="0"/>
+              </a:rPr>
               <a:t>	                                    												https://pt.wikipedia.org/</a:t>
             </a:r>
+            <a:endParaRPr lang="pt-BR" dirty="0">
+              <a:latin typeface="Trebuchet MS" panose="020B0603020202020204" charset="0"/>
+              <a:cs typeface="Trebuchet MS" panose="020B0603020202020204" charset="0"/>
+            </a:endParaRPr>
           </a:p>
         </p:txBody>
       </p:sp>
     </p:spTree>
-    <p:extLst>
-      <p:ext uri="{BB962C8B-B14F-4D97-AF65-F5344CB8AC3E}">
-        <p14:creationId xmlns:p14="http://schemas.microsoft.com/office/powerpoint/2010/main" val="3580401857"/>
-      </p:ext>
-    </p:extLst>
   </p:cSld>
   <p:clrMapOvr>
     <a:masterClrMapping/>
@@ -6577,13 +6527,7 @@
       </p:grpSpPr>
       <p:sp>
         <p:nvSpPr>
-          <p:cNvPr id="2" name="Título 1">
-            <a:extLst>
-              <a:ext uri="{FF2B5EF4-FFF2-40B4-BE49-F238E27FC236}">
-                <a16:creationId xmlns:a16="http://schemas.microsoft.com/office/drawing/2014/main" id="{CFDA7A5B-4FB6-C6B4-7105-58A2ADED0723}"/>
-              </a:ext>
-            </a:extLst>
-          </p:cNvPr>
+          <p:cNvPr id="2" name="Título 1"/>
           <p:cNvSpPr>
             <a:spLocks noGrp="1"/>
           </p:cNvSpPr>
@@ -6622,23 +6566,11 @@
       </p:sp>
       <p:graphicFrame>
         <p:nvGraphicFramePr>
-          <p:cNvPr id="4" name="Tabela 3">
-            <a:extLst>
-              <a:ext uri="{FF2B5EF4-FFF2-40B4-BE49-F238E27FC236}">
-                <a16:creationId xmlns:a16="http://schemas.microsoft.com/office/drawing/2014/main" id="{B3496E29-4EE0-96F9-76FD-9B8888141590}"/>
-              </a:ext>
-            </a:extLst>
-          </p:cNvPr>
+          <p:cNvPr id="4" name="Tabela 3"/>
           <p:cNvGraphicFramePr>
             <a:graphicFrameLocks noGrp="1"/>
           </p:cNvGraphicFramePr>
-          <p:nvPr>
-            <p:extLst>
-              <p:ext uri="{D42A27DB-BD31-4B8C-83A1-F6EECF244321}">
-                <p14:modId xmlns:p14="http://schemas.microsoft.com/office/powerpoint/2010/main" val="2590459280"/>
-              </p:ext>
-            </p:extLst>
-          </p:nvPr>
+          <p:nvPr/>
         </p:nvGraphicFramePr>
         <p:xfrm>
           <a:off x="246034" y="1494168"/>
@@ -6651,27 +6583,9 @@
                 <a:tableStyleId>{5DA37D80-6434-44D0-A028-1B22A696006F}</a:tableStyleId>
               </a:tblPr>
               <a:tblGrid>
-                <a:gridCol w="1274016">
-                  <a:extLst>
-                    <a:ext uri="{9D8B030D-6E8A-4147-A177-3AD203B41FA5}">
-                      <a16:colId xmlns:a16="http://schemas.microsoft.com/office/drawing/2014/main" val="4059806812"/>
-                    </a:ext>
-                  </a:extLst>
-                </a:gridCol>
-                <a:gridCol w="3777145">
-                  <a:extLst>
-                    <a:ext uri="{9D8B030D-6E8A-4147-A177-3AD203B41FA5}">
-                      <a16:colId xmlns:a16="http://schemas.microsoft.com/office/drawing/2014/main" val="3058337238"/>
-                    </a:ext>
-                  </a:extLst>
-                </a:gridCol>
-                <a:gridCol w="4408107">
-                  <a:extLst>
-                    <a:ext uri="{9D8B030D-6E8A-4147-A177-3AD203B41FA5}">
-                      <a16:colId xmlns:a16="http://schemas.microsoft.com/office/drawing/2014/main" val="2944351964"/>
-                    </a:ext>
-                  </a:extLst>
-                </a:gridCol>
+                <a:gridCol w="1274016"/>
+                <a:gridCol w="3777145"/>
+                <a:gridCol w="4408107"/>
               </a:tblGrid>
               <a:tr h="175874">
                 <a:tc>
@@ -6683,15 +6597,15 @@
                       <a:r>
                         <a:rPr lang="pt-BR" sz="1800" b="1" cap="all" dirty="0">
                           <a:effectLst/>
-                          <a:latin typeface="Arial" panose="020B0604020202020204" pitchFamily="34" charset="0"/>
-                          <a:cs typeface="Arial" panose="020B0604020202020204" pitchFamily="34" charset="0"/>
+                          <a:latin typeface="Trebuchet MS" panose="020B0603020202020204" charset="0"/>
+                          <a:cs typeface="Trebuchet MS" panose="020B0603020202020204" charset="0"/>
                         </a:rPr>
                         <a:t>PONTOS</a:t>
                       </a:r>
-                      <a:endParaRPr lang="pt-BR" sz="1800" b="0" cap="all" dirty="0">
+                      <a:endParaRPr lang="pt-BR" sz="1800" b="1" cap="all" dirty="0">
                         <a:effectLst/>
-                        <a:latin typeface="Arial" panose="020B0604020202020204" pitchFamily="34" charset="0"/>
-                        <a:cs typeface="Arial" panose="020B0604020202020204" pitchFamily="34" charset="0"/>
+                        <a:latin typeface="Trebuchet MS" panose="020B0603020202020204" charset="0"/>
+                        <a:cs typeface="Trebuchet MS" panose="020B0603020202020204" charset="0"/>
                       </a:endParaRPr>
                     </a:p>
                   </a:txBody>
@@ -6710,15 +6624,15 @@
                       <a:r>
                         <a:rPr lang="pt-BR" sz="1800" b="1" cap="all" dirty="0">
                           <a:effectLst/>
-                          <a:latin typeface="Arial" panose="020B0604020202020204" pitchFamily="34" charset="0"/>
-                          <a:cs typeface="Arial" panose="020B0604020202020204" pitchFamily="34" charset="0"/>
+                          <a:latin typeface="Trebuchet MS" panose="020B0603020202020204" charset="0"/>
+                          <a:cs typeface="Trebuchet MS" panose="020B0603020202020204" charset="0"/>
                         </a:rPr>
                         <a:t>MÉTODO ESTÁTICO</a:t>
                       </a:r>
-                      <a:endParaRPr lang="pt-BR" sz="1800" b="0" cap="all" dirty="0">
+                      <a:endParaRPr lang="pt-BR" sz="1800" b="1" cap="all" dirty="0">
                         <a:effectLst/>
-                        <a:latin typeface="Arial" panose="020B0604020202020204" pitchFamily="34" charset="0"/>
-                        <a:cs typeface="Arial" panose="020B0604020202020204" pitchFamily="34" charset="0"/>
+                        <a:latin typeface="Trebuchet MS" panose="020B0603020202020204" charset="0"/>
+                        <a:cs typeface="Trebuchet MS" panose="020B0603020202020204" charset="0"/>
                       </a:endParaRPr>
                     </a:p>
                   </a:txBody>
@@ -6737,15 +6651,15 @@
                       <a:r>
                         <a:rPr lang="pt-BR" sz="1800" b="1" cap="all" dirty="0">
                           <a:effectLst/>
-                          <a:latin typeface="Arial" panose="020B0604020202020204" pitchFamily="34" charset="0"/>
-                          <a:cs typeface="Arial" panose="020B0604020202020204" pitchFamily="34" charset="0"/>
+                          <a:latin typeface="Trebuchet MS" panose="020B0603020202020204" charset="0"/>
+                          <a:cs typeface="Trebuchet MS" panose="020B0603020202020204" charset="0"/>
                         </a:rPr>
                         <a:t>MÉTODO NÃO ESTÁTICO</a:t>
                       </a:r>
-                      <a:endParaRPr lang="pt-BR" sz="1800" b="0" cap="all" dirty="0">
+                      <a:endParaRPr lang="pt-BR" sz="1800" b="1" cap="all" dirty="0">
                         <a:effectLst/>
-                        <a:latin typeface="Arial" panose="020B0604020202020204" pitchFamily="34" charset="0"/>
-                        <a:cs typeface="Arial" panose="020B0604020202020204" pitchFamily="34" charset="0"/>
+                        <a:latin typeface="Trebuchet MS" panose="020B0603020202020204" charset="0"/>
+                        <a:cs typeface="Trebuchet MS" panose="020B0603020202020204" charset="0"/>
                       </a:endParaRPr>
                     </a:p>
                   </a:txBody>
@@ -6755,11 +6669,6 @@
                     </a:solidFill>
                   </a:tcPr>
                 </a:tc>
-                <a:extLst>
-                  <a:ext uri="{0D108BD9-81ED-4DB2-BD59-A6C34878D82A}">
-                    <a16:rowId xmlns:a16="http://schemas.microsoft.com/office/drawing/2014/main" val="971142132"/>
-                  </a:ext>
-                </a:extLst>
               </a:tr>
               <a:tr h="1155744">
                 <a:tc>
@@ -6771,13 +6680,15 @@
                       <a:r>
                         <a:rPr lang="pt-BR" sz="1600" b="1" u="sng" dirty="0">
                           <a:effectLst/>
+                          <a:latin typeface="Trebuchet MS" panose="020B0603020202020204" charset="0"/>
+                          <a:cs typeface="Trebuchet MS" panose="020B0603020202020204" charset="0"/>
                         </a:rPr>
                         <a:t>Definição</a:t>
                       </a:r>
-                      <a:endParaRPr lang="pt-BR" sz="1600" b="0" dirty="0">
+                      <a:endParaRPr lang="pt-BR" sz="1600" b="1" u="sng" dirty="0">
                         <a:effectLst/>
-                        <a:latin typeface="Arial" panose="020B0604020202020204" pitchFamily="34" charset="0"/>
-                        <a:cs typeface="Arial" panose="020B0604020202020204" pitchFamily="34" charset="0"/>
+                        <a:latin typeface="Trebuchet MS" panose="020B0603020202020204" charset="0"/>
+                        <a:cs typeface="Trebuchet MS" panose="020B0603020202020204" charset="0"/>
                       </a:endParaRPr>
                     </a:p>
                   </a:txBody>
@@ -6792,25 +6703,31 @@
                       <a:r>
                         <a:rPr lang="pt-BR" sz="1600" b="0" dirty="0">
                           <a:effectLst/>
+                          <a:latin typeface="Trebuchet MS" panose="020B0603020202020204" charset="0"/>
+                          <a:cs typeface="Trebuchet MS" panose="020B0603020202020204" charset="0"/>
                         </a:rPr>
                         <a:t>Um </a:t>
                       </a:r>
                       <a:r>
                         <a:rPr lang="pt-BR" sz="1600" b="1" dirty="0">
                           <a:effectLst/>
+                          <a:latin typeface="Trebuchet MS" panose="020B0603020202020204" charset="0"/>
+                          <a:cs typeface="Trebuchet MS" panose="020B0603020202020204" charset="0"/>
                         </a:rPr>
                         <a:t>método estático</a:t>
                       </a:r>
                       <a:r>
                         <a:rPr lang="pt-BR" sz="1600" b="0" dirty="0">
                           <a:effectLst/>
+                          <a:latin typeface="Trebuchet MS" panose="020B0603020202020204" charset="0"/>
+                          <a:cs typeface="Trebuchet MS" panose="020B0603020202020204" charset="0"/>
                         </a:rPr>
                         <a:t> é um método que pertence a uma classe, mas não pertence a uma instância dessa classe e esse método pode ser chamado sem a instância ou objeto dessa classe.</a:t>
                       </a:r>
                       <a:endParaRPr lang="pt-BR" sz="1600" b="0" dirty="0">
                         <a:effectLst/>
-                        <a:latin typeface="Arial" panose="020B0604020202020204" pitchFamily="34" charset="0"/>
-                        <a:cs typeface="Arial" panose="020B0604020202020204" pitchFamily="34" charset="0"/>
+                        <a:latin typeface="Trebuchet MS" panose="020B0603020202020204" charset="0"/>
+                        <a:cs typeface="Trebuchet MS" panose="020B0603020202020204" charset="0"/>
                       </a:endParaRPr>
                     </a:p>
                   </a:txBody>
@@ -6825,83 +6742,100 @@
                       <a:r>
                         <a:rPr lang="pt-BR" sz="1600" b="0" dirty="0">
                           <a:effectLst/>
+                          <a:latin typeface="Trebuchet MS" panose="020B0603020202020204" charset="0"/>
+                          <a:cs typeface="Trebuchet MS" panose="020B0603020202020204" charset="0"/>
                         </a:rPr>
                         <a:t>Todos os métodos em são padronizados para método não </a:t>
                       </a:r>
                       <a:r>
                         <a:rPr lang="pt-BR" sz="1600" b="1" dirty="0">
                           <a:effectLst/>
+                          <a:latin typeface="Trebuchet MS" panose="020B0603020202020204" charset="0"/>
+                          <a:cs typeface="Trebuchet MS" panose="020B0603020202020204" charset="0"/>
                         </a:rPr>
                         <a:t>estático</a:t>
                       </a:r>
                       <a:r>
                         <a:rPr lang="pt-BR" sz="1600" b="0" dirty="0">
                           <a:effectLst/>
+                          <a:latin typeface="Trebuchet MS" panose="020B0603020202020204" charset="0"/>
+                          <a:cs typeface="Trebuchet MS" panose="020B0603020202020204" charset="0"/>
                         </a:rPr>
                         <a:t> sem palavra-chave </a:t>
                       </a:r>
                       <a:r>
                         <a:rPr lang="pt-BR" sz="1600" b="1" dirty="0">
                           <a:effectLst/>
+                          <a:latin typeface="Trebuchet MS" panose="020B0603020202020204" charset="0"/>
+                          <a:cs typeface="Trebuchet MS" panose="020B0603020202020204" charset="0"/>
                         </a:rPr>
                         <a:t>estática</a:t>
                       </a:r>
                       <a:r>
                         <a:rPr lang="pt-BR" sz="1600" b="0" dirty="0">
                           <a:effectLst/>
+                          <a:latin typeface="Trebuchet MS" panose="020B0603020202020204" charset="0"/>
+                          <a:cs typeface="Trebuchet MS" panose="020B0603020202020204" charset="0"/>
                         </a:rPr>
                         <a:t> precedendo-o. métodos </a:t>
                       </a:r>
                       <a:r>
                         <a:rPr lang="pt-BR" sz="1600" b="1" dirty="0">
                           <a:effectLst/>
+                          <a:latin typeface="Trebuchet MS" panose="020B0603020202020204" charset="0"/>
+                          <a:cs typeface="Trebuchet MS" panose="020B0603020202020204" charset="0"/>
                         </a:rPr>
                         <a:t>não estáticos</a:t>
                       </a:r>
                       <a:r>
                         <a:rPr lang="pt-BR" sz="1600" b="0" dirty="0">
                           <a:effectLst/>
+                          <a:latin typeface="Trebuchet MS" panose="020B0603020202020204" charset="0"/>
+                          <a:cs typeface="Trebuchet MS" panose="020B0603020202020204" charset="0"/>
                         </a:rPr>
                         <a:t> podem acessar qualquer método </a:t>
                       </a:r>
                       <a:r>
                         <a:rPr lang="pt-BR" sz="1600" b="1" dirty="0">
                           <a:effectLst/>
+                          <a:latin typeface="Trebuchet MS" panose="020B0603020202020204" charset="0"/>
+                          <a:cs typeface="Trebuchet MS" panose="020B0603020202020204" charset="0"/>
                         </a:rPr>
                         <a:t>estático</a:t>
                       </a:r>
                       <a:r>
                         <a:rPr lang="pt-BR" sz="1600" b="0" dirty="0">
                           <a:effectLst/>
+                          <a:latin typeface="Trebuchet MS" panose="020B0603020202020204" charset="0"/>
+                          <a:cs typeface="Trebuchet MS" panose="020B0603020202020204" charset="0"/>
                         </a:rPr>
                         <a:t> e variável </a:t>
                       </a:r>
                       <a:r>
                         <a:rPr lang="pt-BR" sz="1600" b="1" dirty="0">
                           <a:effectLst/>
+                          <a:latin typeface="Trebuchet MS" panose="020B0603020202020204" charset="0"/>
+                          <a:cs typeface="Trebuchet MS" panose="020B0603020202020204" charset="0"/>
                         </a:rPr>
                         <a:t>estática</a:t>
                       </a:r>
                       <a:r>
                         <a:rPr lang="pt-BR" sz="1600" b="0" dirty="0">
                           <a:effectLst/>
+                          <a:latin typeface="Trebuchet MS" panose="020B0603020202020204" charset="0"/>
+                          <a:cs typeface="Trebuchet MS" panose="020B0603020202020204" charset="0"/>
                         </a:rPr>
                         <a:t> também, sem usar o objeto da classe.</a:t>
                       </a:r>
                       <a:endParaRPr lang="pt-BR" sz="1600" b="0" dirty="0">
                         <a:effectLst/>
-                        <a:latin typeface="Arial" panose="020B0604020202020204" pitchFamily="34" charset="0"/>
-                        <a:cs typeface="Arial" panose="020B0604020202020204" pitchFamily="34" charset="0"/>
+                        <a:latin typeface="Trebuchet MS" panose="020B0603020202020204" charset="0"/>
+                        <a:cs typeface="Trebuchet MS" panose="020B0603020202020204" charset="0"/>
                       </a:endParaRPr>
                     </a:p>
                   </a:txBody>
                   <a:tcPr marL="22698" marR="22698" marT="11349" marB="11349" anchor="ctr"/>
                 </a:tc>
-                <a:extLst>
-                  <a:ext uri="{0D108BD9-81ED-4DB2-BD59-A6C34878D82A}">
-                    <a16:rowId xmlns:a16="http://schemas.microsoft.com/office/drawing/2014/main" val="1528085191"/>
-                  </a:ext>
-                </a:extLst>
               </a:tr>
               <a:tr h="929620">
                 <a:tc>
@@ -6913,13 +6847,15 @@
                       <a:r>
                         <a:rPr lang="pt-BR" sz="1600" b="1" u="sng" dirty="0">
                           <a:effectLst/>
+                          <a:latin typeface="Trebuchet MS" panose="020B0603020202020204" charset="0"/>
+                          <a:cs typeface="Trebuchet MS" panose="020B0603020202020204" charset="0"/>
                         </a:rPr>
                         <a:t>Acessando membros e métodos</a:t>
                       </a:r>
-                      <a:endParaRPr lang="pt-BR" sz="1600" b="0" dirty="0">
+                      <a:endParaRPr lang="pt-BR" sz="1600" b="1" u="sng" dirty="0">
                         <a:effectLst/>
-                        <a:latin typeface="Arial" panose="020B0604020202020204" pitchFamily="34" charset="0"/>
-                        <a:cs typeface="Arial" panose="020B0604020202020204" pitchFamily="34" charset="0"/>
+                        <a:latin typeface="Trebuchet MS" panose="020B0603020202020204" charset="0"/>
+                        <a:cs typeface="Trebuchet MS" panose="020B0603020202020204" charset="0"/>
                       </a:endParaRPr>
                     </a:p>
                   </a:txBody>
@@ -6934,25 +6870,31 @@
                       <a:r>
                         <a:rPr lang="pt-BR" sz="1600" b="0" dirty="0">
                           <a:effectLst/>
+                          <a:latin typeface="Trebuchet MS" panose="020B0603020202020204" charset="0"/>
+                          <a:cs typeface="Trebuchet MS" panose="020B0603020202020204" charset="0"/>
                         </a:rPr>
                         <a:t>No método </a:t>
                       </a:r>
                       <a:r>
                         <a:rPr lang="pt-BR" sz="1600" b="1" dirty="0">
                           <a:effectLst/>
+                          <a:latin typeface="Trebuchet MS" panose="020B0603020202020204" charset="0"/>
+                          <a:cs typeface="Trebuchet MS" panose="020B0603020202020204" charset="0"/>
                         </a:rPr>
                         <a:t>estático</a:t>
                       </a:r>
                       <a:r>
                         <a:rPr lang="pt-BR" sz="1600" b="0" dirty="0">
                           <a:effectLst/>
+                          <a:latin typeface="Trebuchet MS" panose="020B0603020202020204" charset="0"/>
+                          <a:cs typeface="Trebuchet MS" panose="020B0603020202020204" charset="0"/>
                         </a:rPr>
                         <a:t> , o método só pode acessar membros de dados estáticos e métodos estáticos de outra classe ou mesma classe, mas não pode acessar métodos e variáveis ​​não estáticos.</a:t>
                       </a:r>
                       <a:endParaRPr lang="pt-BR" sz="1600" b="0" dirty="0">
                         <a:effectLst/>
-                        <a:latin typeface="Arial" panose="020B0604020202020204" pitchFamily="34" charset="0"/>
-                        <a:cs typeface="Arial" panose="020B0604020202020204" pitchFamily="34" charset="0"/>
+                        <a:latin typeface="Trebuchet MS" panose="020B0603020202020204" charset="0"/>
+                        <a:cs typeface="Trebuchet MS" panose="020B0603020202020204" charset="0"/>
                       </a:endParaRPr>
                     </a:p>
                   </a:txBody>
@@ -6967,46 +6909,51 @@
                       <a:r>
                         <a:rPr lang="pt-BR" sz="1600" b="0" dirty="0">
                           <a:effectLst/>
+                          <a:latin typeface="Trebuchet MS" panose="020B0603020202020204" charset="0"/>
+                          <a:cs typeface="Trebuchet MS" panose="020B0603020202020204" charset="0"/>
                         </a:rPr>
                         <a:t>No método </a:t>
                       </a:r>
                       <a:r>
                         <a:rPr lang="pt-BR" sz="1600" b="1" dirty="0">
                           <a:effectLst/>
+                          <a:latin typeface="Trebuchet MS" panose="020B0603020202020204" charset="0"/>
+                          <a:cs typeface="Trebuchet MS" panose="020B0603020202020204" charset="0"/>
                         </a:rPr>
                         <a:t>não estático</a:t>
                       </a:r>
                       <a:r>
                         <a:rPr lang="pt-BR" sz="1600" b="0" dirty="0">
                           <a:effectLst/>
+                          <a:latin typeface="Trebuchet MS" panose="020B0603020202020204" charset="0"/>
+                          <a:cs typeface="Trebuchet MS" panose="020B0603020202020204" charset="0"/>
                         </a:rPr>
                         <a:t> , o método pode acessar membros de dados estáticos e métodos estáticos, bem como membros não estáticos e método de outra classe ou mesma classe. </a:t>
                       </a:r>
                       <a:br>
                         <a:rPr lang="pt-BR" sz="1600" b="0" dirty="0">
                           <a:effectLst/>
+                          <a:latin typeface="Trebuchet MS" panose="020B0603020202020204" charset="0"/>
+                          <a:cs typeface="Trebuchet MS" panose="020B0603020202020204" charset="0"/>
                         </a:rPr>
                       </a:br>
                       <a:r>
                         <a:rPr lang="pt-BR" sz="1600" b="0" dirty="0">
                           <a:effectLst/>
+                          <a:latin typeface="Trebuchet MS" panose="020B0603020202020204" charset="0"/>
+                          <a:cs typeface="Trebuchet MS" panose="020B0603020202020204" charset="0"/>
                         </a:rPr>
                         <a:t> </a:t>
                       </a:r>
                       <a:endParaRPr lang="pt-BR" sz="1600" b="0" dirty="0">
                         <a:effectLst/>
-                        <a:latin typeface="Arial" panose="020B0604020202020204" pitchFamily="34" charset="0"/>
-                        <a:cs typeface="Arial" panose="020B0604020202020204" pitchFamily="34" charset="0"/>
+                        <a:latin typeface="Trebuchet MS" panose="020B0603020202020204" charset="0"/>
+                        <a:cs typeface="Trebuchet MS" panose="020B0603020202020204" charset="0"/>
                       </a:endParaRPr>
                     </a:p>
                   </a:txBody>
                   <a:tcPr marL="22698" marR="22698" marT="11349" marB="11349" anchor="ctr"/>
                 </a:tc>
-                <a:extLst>
-                  <a:ext uri="{0D108BD9-81ED-4DB2-BD59-A6C34878D82A}">
-                    <a16:rowId xmlns:a16="http://schemas.microsoft.com/office/drawing/2014/main" val="3440248473"/>
-                  </a:ext>
-                </a:extLst>
               </a:tr>
               <a:tr h="1155744">
                 <a:tc>
@@ -7018,13 +6965,15 @@
                       <a:r>
                         <a:rPr lang="pt-BR" sz="1600" b="1" u="sng" dirty="0">
                           <a:effectLst/>
+                          <a:latin typeface="Trebuchet MS" panose="020B0603020202020204" charset="0"/>
+                          <a:cs typeface="Trebuchet MS" panose="020B0603020202020204" charset="0"/>
                         </a:rPr>
                         <a:t>Alocação de memória</a:t>
                       </a:r>
-                      <a:endParaRPr lang="pt-BR" sz="1600" b="0" dirty="0">
+                      <a:endParaRPr lang="pt-BR" sz="1600" b="1" u="sng" dirty="0">
                         <a:effectLst/>
-                        <a:latin typeface="Arial" panose="020B0604020202020204" pitchFamily="34" charset="0"/>
-                        <a:cs typeface="Arial" panose="020B0604020202020204" pitchFamily="34" charset="0"/>
+                        <a:latin typeface="Trebuchet MS" panose="020B0603020202020204" charset="0"/>
+                        <a:cs typeface="Trebuchet MS" panose="020B0603020202020204" charset="0"/>
                       </a:endParaRPr>
                     </a:p>
                   </a:txBody>
@@ -7039,48 +6988,62 @@
                       <a:r>
                         <a:rPr lang="pt-BR" sz="1600" b="0" dirty="0">
                           <a:effectLst/>
+                          <a:latin typeface="Trebuchet MS" panose="020B0603020202020204" charset="0"/>
+                          <a:cs typeface="Trebuchet MS" panose="020B0603020202020204" charset="0"/>
                         </a:rPr>
                         <a:t>No método </a:t>
                       </a:r>
                       <a:r>
                         <a:rPr lang="pt-BR" sz="1600" b="1" dirty="0">
                           <a:effectLst/>
+                          <a:latin typeface="Trebuchet MS" panose="020B0603020202020204" charset="0"/>
+                          <a:cs typeface="Trebuchet MS" panose="020B0603020202020204" charset="0"/>
                         </a:rPr>
                         <a:t>estático</a:t>
                       </a:r>
                       <a:r>
                         <a:rPr lang="pt-BR" sz="1600" b="0" dirty="0">
                           <a:effectLst/>
+                          <a:latin typeface="Trebuchet MS" panose="020B0603020202020204" charset="0"/>
+                          <a:cs typeface="Trebuchet MS" panose="020B0603020202020204" charset="0"/>
                         </a:rPr>
                         <a:t> , menos memória é usada para execução porque a alocação de memória acontece apenas uma vez, porque a palavra-chave </a:t>
                       </a:r>
                       <a:r>
                         <a:rPr lang="pt-BR" sz="1600" b="0" dirty="0" err="1">
                           <a:effectLst/>
+                          <a:latin typeface="Trebuchet MS" panose="020B0603020202020204" charset="0"/>
+                          <a:cs typeface="Trebuchet MS" panose="020B0603020202020204" charset="0"/>
                         </a:rPr>
                         <a:t>static</a:t>
                       </a:r>
                       <a:r>
                         <a:rPr lang="pt-BR" sz="1600" b="0" dirty="0">
                           <a:effectLst/>
+                          <a:latin typeface="Trebuchet MS" panose="020B0603020202020204" charset="0"/>
+                          <a:cs typeface="Trebuchet MS" panose="020B0603020202020204" charset="0"/>
                         </a:rPr>
                         <a:t> fixou uma memória particular para aquele método na memória RAM. . </a:t>
                       </a:r>
                       <a:br>
                         <a:rPr lang="pt-BR" sz="1600" b="0" dirty="0">
                           <a:effectLst/>
+                          <a:latin typeface="Trebuchet MS" panose="020B0603020202020204" charset="0"/>
+                          <a:cs typeface="Trebuchet MS" panose="020B0603020202020204" charset="0"/>
                         </a:rPr>
                       </a:br>
                       <a:r>
                         <a:rPr lang="pt-BR" sz="1600" b="0" dirty="0">
                           <a:effectLst/>
+                          <a:latin typeface="Trebuchet MS" panose="020B0603020202020204" charset="0"/>
+                          <a:cs typeface="Trebuchet MS" panose="020B0603020202020204" charset="0"/>
                         </a:rPr>
                         <a:t> </a:t>
                       </a:r>
                       <a:endParaRPr lang="pt-BR" sz="1600" b="0" dirty="0">
                         <a:effectLst/>
-                        <a:latin typeface="Arial" panose="020B0604020202020204" pitchFamily="34" charset="0"/>
-                        <a:cs typeface="Arial" panose="020B0604020202020204" pitchFamily="34" charset="0"/>
+                        <a:latin typeface="Trebuchet MS" panose="020B0603020202020204" charset="0"/>
+                        <a:cs typeface="Trebuchet MS" panose="020B0603020202020204" charset="0"/>
                       </a:endParaRPr>
                     </a:p>
                   </a:txBody>
@@ -7095,35 +7058,36 @@
                       <a:r>
                         <a:rPr lang="pt-BR" sz="1600" b="0" dirty="0">
                           <a:effectLst/>
+                          <a:latin typeface="Trebuchet MS" panose="020B0603020202020204" charset="0"/>
+                          <a:cs typeface="Trebuchet MS" panose="020B0603020202020204" charset="0"/>
                         </a:rPr>
                         <a:t>No método </a:t>
                       </a:r>
                       <a:r>
                         <a:rPr lang="pt-BR" sz="1600" b="1" dirty="0">
                           <a:effectLst/>
+                          <a:latin typeface="Trebuchet MS" panose="020B0603020202020204" charset="0"/>
+                          <a:cs typeface="Trebuchet MS" panose="020B0603020202020204" charset="0"/>
                         </a:rPr>
                         <a:t>não estático</a:t>
                       </a:r>
                       <a:r>
                         <a:rPr lang="pt-BR" sz="1600" b="0" dirty="0">
                           <a:effectLst/>
+                          <a:latin typeface="Trebuchet MS" panose="020B0603020202020204" charset="0"/>
+                          <a:cs typeface="Trebuchet MS" panose="020B0603020202020204" charset="0"/>
                         </a:rPr>
                         <a:t> , muita memória é usada para execução porque aqui a alocação de memória acontece quando o método é invocado e a memória é alocada toda vez que o método é chamado. </a:t>
                       </a:r>
                       <a:endParaRPr lang="pt-BR" sz="1600" b="0" dirty="0">
                         <a:effectLst/>
-                        <a:latin typeface="Arial" panose="020B0604020202020204" pitchFamily="34" charset="0"/>
-                        <a:cs typeface="Arial" panose="020B0604020202020204" pitchFamily="34" charset="0"/>
+                        <a:latin typeface="Trebuchet MS" panose="020B0603020202020204" charset="0"/>
+                        <a:cs typeface="Trebuchet MS" panose="020B0603020202020204" charset="0"/>
                       </a:endParaRPr>
                     </a:p>
                   </a:txBody>
                   <a:tcPr marL="22698" marR="22698" marT="11349" marB="11349" anchor="ctr"/>
                 </a:tc>
-                <a:extLst>
-                  <a:ext uri="{0D108BD9-81ED-4DB2-BD59-A6C34878D82A}">
-                    <a16:rowId xmlns:a16="http://schemas.microsoft.com/office/drawing/2014/main" val="1467710220"/>
-                  </a:ext>
-                </a:extLst>
               </a:tr>
             </a:tbl>
           </a:graphicData>
@@ -7131,13 +7095,7 @@
       </p:graphicFrame>
       <p:sp>
         <p:nvSpPr>
-          <p:cNvPr id="7" name="Espaço Reservado para Conteúdo 2">
-            <a:extLst>
-              <a:ext uri="{FF2B5EF4-FFF2-40B4-BE49-F238E27FC236}">
-                <a16:creationId xmlns:a16="http://schemas.microsoft.com/office/drawing/2014/main" id="{FDA6BAA6-8508-BEC3-F1F5-C2764341BE07}"/>
-              </a:ext>
-            </a:extLst>
-          </p:cNvPr>
+          <p:cNvPr id="7" name="Espaço Reservado para Conteúdo 2"/>
           <p:cNvSpPr>
             <a:spLocks noGrp="1"/>
           </p:cNvSpPr>
@@ -7164,15 +7122,11 @@
               <a:rPr lang="pt-BR" dirty="0"/>
               <a:t>https://acervolima.com/</a:t>
             </a:r>
+            <a:endParaRPr lang="pt-BR" dirty="0"/>
           </a:p>
         </p:txBody>
       </p:sp>
     </p:spTree>
-    <p:extLst>
-      <p:ext uri="{BB962C8B-B14F-4D97-AF65-F5344CB8AC3E}">
-        <p14:creationId xmlns:p14="http://schemas.microsoft.com/office/powerpoint/2010/main" val="1897382469"/>
-      </p:ext>
-    </p:extLst>
   </p:cSld>
   <p:clrMapOvr>
     <a:masterClrMapping/>
@@ -7199,13 +7153,7 @@
       </p:grpSpPr>
       <p:sp>
         <p:nvSpPr>
-          <p:cNvPr id="2" name="Título 1">
-            <a:extLst>
-              <a:ext uri="{FF2B5EF4-FFF2-40B4-BE49-F238E27FC236}">
-                <a16:creationId xmlns:a16="http://schemas.microsoft.com/office/drawing/2014/main" id="{CFDA7A5B-4FB6-C6B4-7105-58A2ADED0723}"/>
-              </a:ext>
-            </a:extLst>
-          </p:cNvPr>
+          <p:cNvPr id="2" name="Título 1"/>
           <p:cNvSpPr>
             <a:spLocks noGrp="1"/>
           </p:cNvSpPr>
@@ -7222,18 +7170,13 @@
               <a:rPr lang="pt-BR" dirty="0"/>
               <a:t>Banco de Dados</a:t>
             </a:r>
-          </a:p>
-        </p:txBody>
-      </p:sp>
-      <p:sp>
-        <p:nvSpPr>
-          <p:cNvPr id="3" name="Espaço Reservado para Conteúdo 2">
-            <a:extLst>
-              <a:ext uri="{FF2B5EF4-FFF2-40B4-BE49-F238E27FC236}">
-                <a16:creationId xmlns:a16="http://schemas.microsoft.com/office/drawing/2014/main" id="{114CAA83-9090-A05E-D38D-8421D044A489}"/>
-              </a:ext>
-            </a:extLst>
-          </p:cNvPr>
+            <a:endParaRPr lang="pt-BR" dirty="0"/>
+          </a:p>
+        </p:txBody>
+      </p:sp>
+      <p:sp>
+        <p:nvSpPr>
+          <p:cNvPr id="3" name="Espaço Reservado para Conteúdo 2"/>
           <p:cNvSpPr>
             <a:spLocks noGrp="1"/>
           </p:cNvSpPr>
@@ -7253,7 +7196,8 @@
                   <a:srgbClr val="161513"/>
                 </a:solidFill>
                 <a:effectLst/>
-                <a:latin typeface="OracleSansVF"/>
+                <a:latin typeface="Trebuchet MS" panose="020B0603020202020204" charset="0"/>
+                <a:cs typeface="Trebuchet MS" panose="020B0603020202020204" charset="0"/>
               </a:rPr>
               <a:t>Um banco de dados é uma coleção organizada de informações - ou dados - estruturadas, normalmente armazenadas eletronicamente em um sistema de computador. Um banco de dados é geralmente controlado por um </a:t>
             </a:r>
@@ -7263,8 +7207,9 @@
                   <a:srgbClr val="006B8F"/>
                 </a:solidFill>
                 <a:effectLst/>
-                <a:latin typeface="OracleSansVF"/>
-                <a:hlinkClick r:id="rId2"/>
+                <a:latin typeface="Trebuchet MS" panose="020B0603020202020204" charset="0"/>
+                <a:cs typeface="Trebuchet MS" panose="020B0603020202020204" charset="0"/>
+                <a:hlinkClick r:id="rId1"/>
               </a:rPr>
               <a:t>sistema de gerenciamento de banco de dados (DBMS)</a:t>
             </a:r>
@@ -7274,10 +7219,19 @@
                   <a:srgbClr val="161513"/>
                 </a:solidFill>
                 <a:effectLst/>
-                <a:latin typeface="OracleSansVF"/>
+                <a:latin typeface="Trebuchet MS" panose="020B0603020202020204" charset="0"/>
+                <a:cs typeface="Trebuchet MS" panose="020B0603020202020204" charset="0"/>
               </a:rPr>
               <a:t>. Juntos, os dados e o DBMS, juntamente com os aplicativos associados a eles, são chamados de sistema de banco de dados, geralmente abreviados para apenas banco de dados.</a:t>
             </a:r>
+            <a:endParaRPr lang="pt-BR" b="0" i="0" dirty="0">
+              <a:solidFill>
+                <a:srgbClr val="161513"/>
+              </a:solidFill>
+              <a:effectLst/>
+              <a:latin typeface="Trebuchet MS" panose="020B0603020202020204" charset="0"/>
+              <a:cs typeface="Trebuchet MS" panose="020B0603020202020204" charset="0"/>
+            </a:endParaRPr>
           </a:p>
           <a:p>
             <a:pPr algn="l"/>
@@ -7287,28 +7241,39 @@
                   <a:srgbClr val="161513"/>
                 </a:solidFill>
                 <a:effectLst/>
-                <a:latin typeface="OracleSansVF"/>
+                <a:latin typeface="Trebuchet MS" panose="020B0603020202020204" charset="0"/>
+                <a:cs typeface="Trebuchet MS" panose="020B0603020202020204" charset="0"/>
               </a:rPr>
               <a:t>Os dados nos tipos mais comuns de bancos de dados em operação atualmente são modelados em linhas e colunas em uma série de tabelas para tornar o processamento e a consulta de dados eficientes. Os dados podem ser facilmente acessados, gerenciados, modificados, atualizados, controlados e organizados. A maioria dos bancos de dados usa a linguagem de consulta estruturada (SQL) para escrever e consultar dados.</a:t>
             </a:r>
+            <a:endParaRPr lang="pt-BR" b="0" i="0" dirty="0">
+              <a:solidFill>
+                <a:srgbClr val="161513"/>
+              </a:solidFill>
+              <a:effectLst/>
+              <a:latin typeface="Trebuchet MS" panose="020B0603020202020204" charset="0"/>
+              <a:cs typeface="Trebuchet MS" panose="020B0603020202020204" charset="0"/>
+            </a:endParaRPr>
           </a:p>
           <a:p>
             <a:pPr marL="3657600" lvl="8" indent="0">
               <a:buNone/>
             </a:pPr>
             <a:r>
-              <a:rPr lang="pt-BR" dirty="0"/>
+              <a:rPr lang="pt-BR" dirty="0">
+                <a:latin typeface="Trebuchet MS" panose="020B0603020202020204" charset="0"/>
+                <a:cs typeface="Trebuchet MS" panose="020B0603020202020204" charset="0"/>
+              </a:rPr>
               <a:t>			https://www.oracle.com/</a:t>
             </a:r>
+            <a:endParaRPr lang="pt-BR" dirty="0">
+              <a:latin typeface="Trebuchet MS" panose="020B0603020202020204" charset="0"/>
+              <a:cs typeface="Trebuchet MS" panose="020B0603020202020204" charset="0"/>
+            </a:endParaRPr>
           </a:p>
         </p:txBody>
       </p:sp>
     </p:spTree>
-    <p:extLst>
-      <p:ext uri="{BB962C8B-B14F-4D97-AF65-F5344CB8AC3E}">
-        <p14:creationId xmlns:p14="http://schemas.microsoft.com/office/powerpoint/2010/main" val="1391737349"/>
-      </p:ext>
-    </p:extLst>
   </p:cSld>
   <p:clrMapOvr>
     <a:masterClrMapping/>
@@ -7335,13 +7300,7 @@
       </p:grpSpPr>
       <p:sp>
         <p:nvSpPr>
-          <p:cNvPr id="2" name="Título 1">
-            <a:extLst>
-              <a:ext uri="{FF2B5EF4-FFF2-40B4-BE49-F238E27FC236}">
-                <a16:creationId xmlns:a16="http://schemas.microsoft.com/office/drawing/2014/main" id="{CFDA7A5B-4FB6-C6B4-7105-58A2ADED0723}"/>
-              </a:ext>
-            </a:extLst>
-          </p:cNvPr>
+          <p:cNvPr id="2" name="Título 1"/>
           <p:cNvSpPr>
             <a:spLocks noGrp="1"/>
           </p:cNvSpPr>
@@ -7358,18 +7317,13 @@
               <a:rPr lang="pt-BR" dirty="0"/>
               <a:t>API</a:t>
             </a:r>
-          </a:p>
-        </p:txBody>
-      </p:sp>
-      <p:sp>
-        <p:nvSpPr>
-          <p:cNvPr id="3" name="Espaço Reservado para Conteúdo 2">
-            <a:extLst>
-              <a:ext uri="{FF2B5EF4-FFF2-40B4-BE49-F238E27FC236}">
-                <a16:creationId xmlns:a16="http://schemas.microsoft.com/office/drawing/2014/main" id="{114CAA83-9090-A05E-D38D-8421D044A489}"/>
-              </a:ext>
-            </a:extLst>
-          </p:cNvPr>
+            <a:endParaRPr lang="pt-BR" dirty="0"/>
+          </a:p>
+        </p:txBody>
+      </p:sp>
+      <p:sp>
+        <p:nvSpPr>
+          <p:cNvPr id="3" name="Espaço Reservado para Conteúdo 2"/>
           <p:cNvSpPr>
             <a:spLocks noGrp="1"/>
           </p:cNvSpPr>
@@ -7389,7 +7343,8 @@
                   <a:srgbClr val="333333"/>
                 </a:solidFill>
                 <a:effectLst/>
-                <a:latin typeface="AmazonEmber"/>
+                <a:latin typeface="Trebuchet MS" panose="020B0603020202020204" charset="0"/>
+                <a:cs typeface="Trebuchet MS" panose="020B0603020202020204" charset="0"/>
               </a:rPr>
               <a:t>API significa </a:t>
             </a:r>
@@ -7399,7 +7354,8 @@
                   <a:srgbClr val="333333"/>
                 </a:solidFill>
                 <a:effectLst/>
-                <a:latin typeface="AmazonEmber"/>
+                <a:latin typeface="Trebuchet MS" panose="020B0603020202020204" charset="0"/>
+                <a:cs typeface="Trebuchet MS" panose="020B0603020202020204" charset="0"/>
               </a:rPr>
               <a:t>Application</a:t>
             </a:r>
@@ -7409,7 +7365,8 @@
                   <a:srgbClr val="333333"/>
                 </a:solidFill>
                 <a:effectLst/>
-                <a:latin typeface="AmazonEmber"/>
+                <a:latin typeface="Trebuchet MS" panose="020B0603020202020204" charset="0"/>
+                <a:cs typeface="Trebuchet MS" panose="020B0603020202020204" charset="0"/>
               </a:rPr>
               <a:t> </a:t>
             </a:r>
@@ -7419,7 +7376,8 @@
                   <a:srgbClr val="333333"/>
                 </a:solidFill>
                 <a:effectLst/>
-                <a:latin typeface="AmazonEmber"/>
+                <a:latin typeface="Trebuchet MS" panose="020B0603020202020204" charset="0"/>
+                <a:cs typeface="Trebuchet MS" panose="020B0603020202020204" charset="0"/>
               </a:rPr>
               <a:t>Programming</a:t>
             </a:r>
@@ -7429,10 +7387,19 @@
                   <a:srgbClr val="333333"/>
                 </a:solidFill>
                 <a:effectLst/>
-                <a:latin typeface="AmazonEmber"/>
+                <a:latin typeface="Trebuchet MS" panose="020B0603020202020204" charset="0"/>
+                <a:cs typeface="Trebuchet MS" panose="020B0603020202020204" charset="0"/>
               </a:rPr>
               <a:t> Interface (Interface de Programação de Aplicação). No contexto de APIs, a palavra Aplicação refere-se a qualquer software com uma função distinta. A interface pode ser pensada como um contrato de serviço entre duas aplicações. Esse contrato define como as duas se comunicam usando solicitações e respostas. A documentação de suas respectivas APIs contém informações sobre como os desenvolvedores devem estruturar essas solicitações e respostas.</a:t>
             </a:r>
+            <a:endParaRPr lang="pt-BR" b="0" i="0" dirty="0">
+              <a:solidFill>
+                <a:srgbClr val="333333"/>
+              </a:solidFill>
+              <a:effectLst/>
+              <a:latin typeface="Trebuchet MS" panose="020B0603020202020204" charset="0"/>
+              <a:cs typeface="Trebuchet MS" panose="020B0603020202020204" charset="0"/>
+            </a:endParaRPr>
           </a:p>
           <a:p>
             <a:pPr marL="0" indent="0" algn="l">
@@ -7443,19 +7410,22 @@
                 <a:solidFill>
                   <a:srgbClr val="333333"/>
                 </a:solidFill>
-                <a:latin typeface="AmazonEmber"/>
+                <a:latin typeface="Trebuchet MS" panose="020B0603020202020204" charset="0"/>
+                <a:cs typeface="Trebuchet MS" panose="020B0603020202020204" charset="0"/>
               </a:rPr>
               <a:t>												https://aws.amazon.com/</a:t>
             </a:r>
+            <a:endParaRPr lang="pt-BR" dirty="0">
+              <a:solidFill>
+                <a:srgbClr val="333333"/>
+              </a:solidFill>
+              <a:latin typeface="Trebuchet MS" panose="020B0603020202020204" charset="0"/>
+              <a:cs typeface="Trebuchet MS" panose="020B0603020202020204" charset="0"/>
+            </a:endParaRPr>
           </a:p>
         </p:txBody>
       </p:sp>
     </p:spTree>
-    <p:extLst>
-      <p:ext uri="{BB962C8B-B14F-4D97-AF65-F5344CB8AC3E}">
-        <p14:creationId xmlns:p14="http://schemas.microsoft.com/office/powerpoint/2010/main" val="1314821681"/>
-      </p:ext>
-    </p:extLst>
   </p:cSld>
   <p:clrMapOvr>
     <a:masterClrMapping/>
@@ -7482,13 +7452,7 @@
       </p:grpSpPr>
       <p:sp>
         <p:nvSpPr>
-          <p:cNvPr id="2" name="Título 1">
-            <a:extLst>
-              <a:ext uri="{FF2B5EF4-FFF2-40B4-BE49-F238E27FC236}">
-                <a16:creationId xmlns:a16="http://schemas.microsoft.com/office/drawing/2014/main" id="{CFDA7A5B-4FB6-C6B4-7105-58A2ADED0723}"/>
-              </a:ext>
-            </a:extLst>
-          </p:cNvPr>
+          <p:cNvPr id="2" name="Título 1"/>
           <p:cNvSpPr>
             <a:spLocks noGrp="1"/>
           </p:cNvSpPr>
@@ -7502,21 +7466,16 @@
           <a:lstStyle/>
           <a:p>
             <a:r>
-              <a:rPr lang="pt-BR" dirty="0"/>
-              <a:t>EXCEL</a:t>
-            </a:r>
-          </a:p>
-        </p:txBody>
-      </p:sp>
-      <p:sp>
-        <p:nvSpPr>
-          <p:cNvPr id="3" name="Espaço Reservado para Conteúdo 2">
-            <a:extLst>
-              <a:ext uri="{FF2B5EF4-FFF2-40B4-BE49-F238E27FC236}">
-                <a16:creationId xmlns:a16="http://schemas.microsoft.com/office/drawing/2014/main" id="{114CAA83-9090-A05E-D38D-8421D044A489}"/>
-              </a:ext>
-            </a:extLst>
-          </p:cNvPr>
+              <a:rPr lang="en-US" altLang="pt-BR" dirty="0"/>
+              <a:t>Planilha</a:t>
+            </a:r>
+            <a:endParaRPr lang="en-US" altLang="pt-BR" dirty="0"/>
+          </a:p>
+        </p:txBody>
+      </p:sp>
+      <p:sp>
+        <p:nvSpPr>
+          <p:cNvPr id="3" name="Espaço Reservado para Conteúdo 2"/>
           <p:cNvSpPr>
             <a:spLocks noGrp="1"/>
           </p:cNvSpPr>
@@ -7526,20 +7485,127 @@
         </p:nvSpPr>
         <p:spPr/>
         <p:txBody>
-          <a:bodyPr/>
+          <a:bodyPr>
+            <a:noAutofit/>
+          </a:bodyPr>
           <a:lstStyle/>
           <a:p>
             <a:pPr algn="l"/>
-            <a:endParaRPr lang="pt-BR" dirty="0"/>
+            <a:r>
+              <a:rPr lang="pt-BR" sz="1500" dirty="0">
+                <a:latin typeface="Trebuchet MS" panose="020B0603020202020204" charset="0"/>
+                <a:cs typeface="Trebuchet MS" panose="020B0603020202020204" charset="0"/>
+              </a:rPr>
+              <a:t>Planilha é uma tabela composta por linhas (horizontais) e colunas (verticais) que tem como objetivo organizar dados e realizar cálculos através de fórmulas que relacionam os dados. Entre as principais funções de uma planilha estão:</a:t>
+            </a:r>
+            <a:endParaRPr lang="pt-BR" sz="1500" dirty="0">
+              <a:latin typeface="Trebuchet MS" panose="020B0603020202020204" charset="0"/>
+              <a:cs typeface="Trebuchet MS" panose="020B0603020202020204" charset="0"/>
+            </a:endParaRPr>
+          </a:p>
+          <a:p>
+            <a:pPr lvl="1" algn="l"/>
+            <a:r>
+              <a:rPr lang="pt-BR" sz="1500" dirty="0">
+                <a:latin typeface="Trebuchet MS" panose="020B0603020202020204" charset="0"/>
+                <a:cs typeface="Trebuchet MS" panose="020B0603020202020204" charset="0"/>
+              </a:rPr>
+              <a:t>Estruturar e transformar os dados em forma de tabela;</a:t>
+            </a:r>
+            <a:endParaRPr lang="pt-BR" sz="1500" dirty="0">
+              <a:latin typeface="Trebuchet MS" panose="020B0603020202020204" charset="0"/>
+              <a:cs typeface="Trebuchet MS" panose="020B0603020202020204" charset="0"/>
+            </a:endParaRPr>
+          </a:p>
+          <a:p>
+            <a:pPr lvl="1" algn="l"/>
+            <a:r>
+              <a:rPr lang="pt-BR" sz="1500" dirty="0">
+                <a:latin typeface="Trebuchet MS" panose="020B0603020202020204" charset="0"/>
+                <a:cs typeface="Trebuchet MS" panose="020B0603020202020204" charset="0"/>
+              </a:rPr>
+              <a:t>Fazer cálculos de maneira prática;</a:t>
+            </a:r>
+            <a:endParaRPr lang="pt-BR" sz="1500" dirty="0">
+              <a:latin typeface="Trebuchet MS" panose="020B0603020202020204" charset="0"/>
+              <a:cs typeface="Trebuchet MS" panose="020B0603020202020204" charset="0"/>
+            </a:endParaRPr>
+          </a:p>
+          <a:p>
+            <a:pPr lvl="1" algn="l"/>
+            <a:r>
+              <a:rPr lang="pt-BR" sz="1500" dirty="0">
+                <a:latin typeface="Trebuchet MS" panose="020B0603020202020204" charset="0"/>
+                <a:cs typeface="Trebuchet MS" panose="020B0603020202020204" charset="0"/>
+              </a:rPr>
+              <a:t>Apresentar dados na forma gráfica com a finalidade de obter insights</a:t>
+            </a:r>
+            <a:endParaRPr lang="pt-BR" sz="1500" dirty="0">
+              <a:latin typeface="Trebuchet MS" panose="020B0603020202020204" charset="0"/>
+              <a:cs typeface="Trebuchet MS" panose="020B0603020202020204" charset="0"/>
+            </a:endParaRPr>
+          </a:p>
+          <a:p>
+            <a:pPr lvl="1" algn="l"/>
+            <a:r>
+              <a:rPr lang="pt-BR" sz="1500" dirty="0">
+                <a:latin typeface="Trebuchet MS" panose="020B0603020202020204" charset="0"/>
+                <a:cs typeface="Trebuchet MS" panose="020B0603020202020204" charset="0"/>
+              </a:rPr>
+              <a:t>Realizar controles (financeiros, de quantidade, de estoques, etc.) através das planilhas.</a:t>
+            </a:r>
+            <a:endParaRPr lang="pt-BR" sz="1500" dirty="0">
+              <a:latin typeface="Trebuchet MS" panose="020B0603020202020204" charset="0"/>
+              <a:cs typeface="Trebuchet MS" panose="020B0603020202020204" charset="0"/>
+            </a:endParaRPr>
+          </a:p>
+          <a:p>
+            <a:pPr algn="l"/>
+            <a:endParaRPr lang="pt-BR" sz="1500" dirty="0">
+              <a:latin typeface="Trebuchet MS" panose="020B0603020202020204" charset="0"/>
+              <a:cs typeface="Trebuchet MS" panose="020B0603020202020204" charset="0"/>
+            </a:endParaRPr>
+          </a:p>
+          <a:p>
+            <a:pPr algn="l"/>
+            <a:r>
+              <a:rPr lang="pt-BR" sz="1500" dirty="0">
+                <a:latin typeface="Trebuchet MS" panose="020B0603020202020204" charset="0"/>
+                <a:cs typeface="Trebuchet MS" panose="020B0603020202020204" charset="0"/>
+              </a:rPr>
+              <a:t>Com a ascensão da tecnologia ela passou a ser classificada como planilha eletrônica, que nada mais é do que uma ferramenta computacional que dispõem dados de forma bidimensional. Assim, cada célula possui uma coordenada horizontal, representada por uma letra do alfabeto e uma coordenada vertical representada por um número, semelhante a um plano cartesiano. Entre outros nomes, atualmente ela é chamada de planilha eletrônica, planilha de cálculo ou folha de cálculo e em inglês é conhecida como spreadsheet.</a:t>
+            </a:r>
+            <a:endParaRPr lang="pt-BR" sz="1500" dirty="0">
+              <a:latin typeface="Trebuchet MS" panose="020B0603020202020204" charset="0"/>
+              <a:cs typeface="Trebuchet MS" panose="020B0603020202020204" charset="0"/>
+            </a:endParaRPr>
+          </a:p>
+          <a:p>
+            <a:pPr marL="3657600" lvl="8" indent="0" algn="l">
+              <a:buNone/>
+            </a:pPr>
+            <a:r>
+              <a:rPr lang="en-US" altLang="pt-BR" sz="1500" dirty="0">
+                <a:latin typeface="Trebuchet MS" panose="020B0603020202020204" charset="0"/>
+                <a:cs typeface="Trebuchet MS" panose="020B0603020202020204" charset="0"/>
+              </a:rPr>
+              <a:t>			</a:t>
+            </a:r>
+            <a:r>
+              <a:rPr lang="pt-BR" sz="1500" dirty="0">
+                <a:latin typeface="Trebuchet MS" panose="020B0603020202020204" charset="0"/>
+                <a:cs typeface="Trebuchet MS" panose="020B0603020202020204" charset="0"/>
+              </a:rPr>
+              <a:t>https://www.fm2s.com.br/</a:t>
+            </a:r>
+            <a:endParaRPr lang="pt-BR" sz="1500" dirty="0">
+              <a:latin typeface="Trebuchet MS" panose="020B0603020202020204" charset="0"/>
+              <a:cs typeface="Trebuchet MS" panose="020B0603020202020204" charset="0"/>
+            </a:endParaRPr>
           </a:p>
         </p:txBody>
       </p:sp>
     </p:spTree>
-    <p:extLst>
-      <p:ext uri="{BB962C8B-B14F-4D97-AF65-F5344CB8AC3E}">
-        <p14:creationId xmlns:p14="http://schemas.microsoft.com/office/powerpoint/2010/main" val="2210706929"/>
-      </p:ext>
-    </p:extLst>
   </p:cSld>
   <p:clrMapOvr>
     <a:masterClrMapping/>
@@ -7590,7 +7656,7 @@
     </a:clrScheme>
     <a:fontScheme name="Facetado">
       <a:majorFont>
-        <a:latin typeface="Trebuchet MS" panose="020B0603020202020204"/>
+        <a:latin typeface="Trebuchet MS"/>
         <a:ea typeface=""/>
         <a:cs typeface=""/>
         <a:font script="Jpan" typeface="メイリオ"/>
@@ -7625,7 +7691,7 @@
         <a:font script="Geor" typeface="Sylfaen"/>
       </a:majorFont>
       <a:minorFont>
-        <a:latin typeface="Trebuchet MS" panose="020B0603020202020204"/>
+        <a:latin typeface="Trebuchet MS"/>
         <a:ea typeface=""/>
         <a:cs typeface=""/>
         <a:font script="Jpan" typeface="メイリオ"/>
@@ -7794,11 +7860,9 @@
       </a:bgFillStyleLst>
     </a:fmtScheme>
   </a:themeElements>
-  <a:objectDefaults/>
-  <a:extraClrSchemeLst/>
   <a:extLst>
     <a:ext uri="{05A4C25C-085E-4340-85A3-A5531E510DB2}">
-      <thm15:themeFamily xmlns:thm15="http://schemas.microsoft.com/office/thememl/2012/main" name="Facet" id="{C0C680CD-088A-49FC-A102-D699147F32B2}" vid="{CFBC31BA-B70F-4F30-BCAA-4F3011E16C4D}"/>
+      <thm15:themeFamily xmlns:thm15="http://schemas.microsoft.com/office/thememl/2012/main" name="Office Theme" id="{62F939B6-93AF-4DB8-9C6B-D6C7DFDC589F}" vid="{4A3C46E8-61CC-4603-A589-7422A47A8E4A}"/>
     </a:ext>
   </a:extLst>
 </a:theme>
